--- a/supp/Publication/images/RawPPT/2015-GMP-InterlockObject.pptx
+++ b/supp/Publication/images/RawPPT/2015-GMP-InterlockObject.pptx
@@ -2,19 +2,19 @@
 <file path=ppt/presentation.xml><?xml version="1.0" encoding="utf-8"?>
 <p:presentation xmlns:a="http://schemas.openxmlformats.org/drawingml/2006/main" xmlns:r="http://schemas.openxmlformats.org/officeDocument/2006/relationships" xmlns:p="http://schemas.openxmlformats.org/presentationml/2006/main" saveSubsetFonts="1">
   <p:sldMasterIdLst>
-    <p:sldMasterId id="2147483672" r:id="rId1"/>
+    <p:sldMasterId id="2147483684" r:id="rId1"/>
   </p:sldMasterIdLst>
   <p:sldIdLst>
     <p:sldId id="256" r:id="rId2"/>
   </p:sldIdLst>
-  <p:sldSz cx="14400213" cy="7199313"/>
+  <p:sldSz cx="12239625" cy="7199313"/>
   <p:notesSz cx="6858000" cy="9144000"/>
   <p:defaultTextStyle>
     <a:defPPr>
-      <a:defRPr lang="zh-CN"/>
+      <a:defRPr lang="en-US"/>
     </a:defPPr>
-    <a:lvl1pPr marL="0" algn="l" defTabSz="1036643" rtl="0" eaLnBrk="1" latinLnBrk="0" hangingPunct="1">
-      <a:defRPr sz="2040" kern="1200">
+    <a:lvl1pPr marL="0" algn="l" defTabSz="457200" rtl="0" eaLnBrk="1" latinLnBrk="0" hangingPunct="1">
+      <a:defRPr sz="1800" kern="1200">
         <a:solidFill>
           <a:schemeClr val="tx1"/>
         </a:solidFill>
@@ -23,8 +23,8 @@
         <a:cs typeface="+mn-cs"/>
       </a:defRPr>
     </a:lvl1pPr>
-    <a:lvl2pPr marL="518321" algn="l" defTabSz="1036643" rtl="0" eaLnBrk="1" latinLnBrk="0" hangingPunct="1">
-      <a:defRPr sz="2040" kern="1200">
+    <a:lvl2pPr marL="457200" algn="l" defTabSz="457200" rtl="0" eaLnBrk="1" latinLnBrk="0" hangingPunct="1">
+      <a:defRPr sz="1800" kern="1200">
         <a:solidFill>
           <a:schemeClr val="tx1"/>
         </a:solidFill>
@@ -33,8 +33,8 @@
         <a:cs typeface="+mn-cs"/>
       </a:defRPr>
     </a:lvl2pPr>
-    <a:lvl3pPr marL="1036643" algn="l" defTabSz="1036643" rtl="0" eaLnBrk="1" latinLnBrk="0" hangingPunct="1">
-      <a:defRPr sz="2040" kern="1200">
+    <a:lvl3pPr marL="914400" algn="l" defTabSz="457200" rtl="0" eaLnBrk="1" latinLnBrk="0" hangingPunct="1">
+      <a:defRPr sz="1800" kern="1200">
         <a:solidFill>
           <a:schemeClr val="tx1"/>
         </a:solidFill>
@@ -43,8 +43,8 @@
         <a:cs typeface="+mn-cs"/>
       </a:defRPr>
     </a:lvl3pPr>
-    <a:lvl4pPr marL="1554964" algn="l" defTabSz="1036643" rtl="0" eaLnBrk="1" latinLnBrk="0" hangingPunct="1">
-      <a:defRPr sz="2040" kern="1200">
+    <a:lvl4pPr marL="1371600" algn="l" defTabSz="457200" rtl="0" eaLnBrk="1" latinLnBrk="0" hangingPunct="1">
+      <a:defRPr sz="1800" kern="1200">
         <a:solidFill>
           <a:schemeClr val="tx1"/>
         </a:solidFill>
@@ -53,8 +53,8 @@
         <a:cs typeface="+mn-cs"/>
       </a:defRPr>
     </a:lvl4pPr>
-    <a:lvl5pPr marL="2073286" algn="l" defTabSz="1036643" rtl="0" eaLnBrk="1" latinLnBrk="0" hangingPunct="1">
-      <a:defRPr sz="2040" kern="1200">
+    <a:lvl5pPr marL="1828800" algn="l" defTabSz="457200" rtl="0" eaLnBrk="1" latinLnBrk="0" hangingPunct="1">
+      <a:defRPr sz="1800" kern="1200">
         <a:solidFill>
           <a:schemeClr val="tx1"/>
         </a:solidFill>
@@ -63,8 +63,8 @@
         <a:cs typeface="+mn-cs"/>
       </a:defRPr>
     </a:lvl5pPr>
-    <a:lvl6pPr marL="2591607" algn="l" defTabSz="1036643" rtl="0" eaLnBrk="1" latinLnBrk="0" hangingPunct="1">
-      <a:defRPr sz="2040" kern="1200">
+    <a:lvl6pPr marL="2286000" algn="l" defTabSz="457200" rtl="0" eaLnBrk="1" latinLnBrk="0" hangingPunct="1">
+      <a:defRPr sz="1800" kern="1200">
         <a:solidFill>
           <a:schemeClr val="tx1"/>
         </a:solidFill>
@@ -73,8 +73,8 @@
         <a:cs typeface="+mn-cs"/>
       </a:defRPr>
     </a:lvl6pPr>
-    <a:lvl7pPr marL="3109929" algn="l" defTabSz="1036643" rtl="0" eaLnBrk="1" latinLnBrk="0" hangingPunct="1">
-      <a:defRPr sz="2040" kern="1200">
+    <a:lvl7pPr marL="2743200" algn="l" defTabSz="457200" rtl="0" eaLnBrk="1" latinLnBrk="0" hangingPunct="1">
+      <a:defRPr sz="1800" kern="1200">
         <a:solidFill>
           <a:schemeClr val="tx1"/>
         </a:solidFill>
@@ -83,8 +83,8 @@
         <a:cs typeface="+mn-cs"/>
       </a:defRPr>
     </a:lvl7pPr>
-    <a:lvl8pPr marL="3628250" algn="l" defTabSz="1036643" rtl="0" eaLnBrk="1" latinLnBrk="0" hangingPunct="1">
-      <a:defRPr sz="2040" kern="1200">
+    <a:lvl8pPr marL="3200400" algn="l" defTabSz="457200" rtl="0" eaLnBrk="1" latinLnBrk="0" hangingPunct="1">
+      <a:defRPr sz="1800" kern="1200">
         <a:solidFill>
           <a:schemeClr val="tx1"/>
         </a:solidFill>
@@ -93,8 +93,8 @@
         <a:cs typeface="+mn-cs"/>
       </a:defRPr>
     </a:lvl8pPr>
-    <a:lvl9pPr marL="4146572" algn="l" defTabSz="1036643" rtl="0" eaLnBrk="1" latinLnBrk="0" hangingPunct="1">
-      <a:defRPr sz="2040" kern="1200">
+    <a:lvl9pPr marL="3657600" algn="l" defTabSz="457200" rtl="0" eaLnBrk="1" latinLnBrk="0" hangingPunct="1">
+      <a:defRPr sz="1800" kern="1200">
         <a:solidFill>
           <a:schemeClr val="tx1"/>
         </a:solidFill>
@@ -114,7 +114,7 @@
 
 <file path=ppt/slideLayouts/slideLayout1.xml><?xml version="1.0" encoding="utf-8"?>
 <p:sldLayout xmlns:a="http://schemas.openxmlformats.org/drawingml/2006/main" xmlns:r="http://schemas.openxmlformats.org/officeDocument/2006/relationships" xmlns:p="http://schemas.openxmlformats.org/presentationml/2006/main" type="title" preserve="1">
-  <p:cSld name="标题幻灯片">
+  <p:cSld name="Title Slide">
     <p:spTree>
       <p:nvGrpSpPr>
         <p:cNvPr id="1" name=""/>
@@ -141,21 +141,21 @@
         </p:nvSpPr>
         <p:spPr>
           <a:xfrm>
-            <a:off x="1800027" y="1178222"/>
-            <a:ext cx="10800160" cy="2506427"/>
+            <a:off x="1529953" y="1178222"/>
+            <a:ext cx="9179719" cy="2506427"/>
           </a:xfrm>
         </p:spPr>
         <p:txBody>
           <a:bodyPr anchor="b"/>
           <a:lstStyle>
             <a:lvl1pPr algn="ctr">
-              <a:defRPr sz="6299"/>
+              <a:defRPr sz="6023"/>
             </a:lvl1pPr>
           </a:lstStyle>
           <a:p>
             <a:r>
-              <a:rPr lang="zh-CN" altLang="en-US" smtClean="0"/>
-              <a:t>单击此处编辑母版标题样式</a:t>
+              <a:rPr lang="en-GB"/>
+              <a:t>Click to edit Master title style</a:t>
             </a:r>
             <a:endParaRPr lang="en-US" dirty="0"/>
           </a:p>
@@ -173,8 +173,8 @@
         </p:nvSpPr>
         <p:spPr>
           <a:xfrm>
-            <a:off x="1800027" y="3781306"/>
-            <a:ext cx="10800160" cy="1738167"/>
+            <a:off x="1529953" y="3781306"/>
+            <a:ext cx="9179719" cy="1738167"/>
           </a:xfrm>
         </p:spPr>
         <p:txBody>
@@ -182,45 +182,45 @@
           <a:lstStyle>
             <a:lvl1pPr marL="0" indent="0" algn="ctr">
               <a:buNone/>
-              <a:defRPr sz="2520"/>
+              <a:defRPr sz="2409"/>
             </a:lvl1pPr>
-            <a:lvl2pPr marL="479969" indent="0" algn="ctr">
-              <a:buNone/>
-              <a:defRPr sz="2100"/>
+            <a:lvl2pPr marL="458983" indent="0" algn="ctr">
+              <a:buNone/>
+              <a:defRPr sz="2008"/>
             </a:lvl2pPr>
-            <a:lvl3pPr marL="959937" indent="0" algn="ctr">
-              <a:buNone/>
-              <a:defRPr sz="1890"/>
+            <a:lvl3pPr marL="917966" indent="0" algn="ctr">
+              <a:buNone/>
+              <a:defRPr sz="1807"/>
             </a:lvl3pPr>
-            <a:lvl4pPr marL="1439906" indent="0" algn="ctr">
-              <a:buNone/>
-              <a:defRPr sz="1680"/>
+            <a:lvl4pPr marL="1376949" indent="0" algn="ctr">
+              <a:buNone/>
+              <a:defRPr sz="1606"/>
             </a:lvl4pPr>
-            <a:lvl5pPr marL="1919874" indent="0" algn="ctr">
-              <a:buNone/>
-              <a:defRPr sz="1680"/>
+            <a:lvl5pPr marL="1835932" indent="0" algn="ctr">
+              <a:buNone/>
+              <a:defRPr sz="1606"/>
             </a:lvl5pPr>
-            <a:lvl6pPr marL="2399843" indent="0" algn="ctr">
-              <a:buNone/>
-              <a:defRPr sz="1680"/>
+            <a:lvl6pPr marL="2294915" indent="0" algn="ctr">
+              <a:buNone/>
+              <a:defRPr sz="1606"/>
             </a:lvl6pPr>
-            <a:lvl7pPr marL="2879811" indent="0" algn="ctr">
-              <a:buNone/>
-              <a:defRPr sz="1680"/>
+            <a:lvl7pPr marL="2753898" indent="0" algn="ctr">
+              <a:buNone/>
+              <a:defRPr sz="1606"/>
             </a:lvl7pPr>
-            <a:lvl8pPr marL="3359780" indent="0" algn="ctr">
-              <a:buNone/>
-              <a:defRPr sz="1680"/>
+            <a:lvl8pPr marL="3212882" indent="0" algn="ctr">
+              <a:buNone/>
+              <a:defRPr sz="1606"/>
             </a:lvl8pPr>
-            <a:lvl9pPr marL="3839748" indent="0" algn="ctr">
-              <a:buNone/>
-              <a:defRPr sz="1680"/>
+            <a:lvl9pPr marL="3671865" indent="0" algn="ctr">
+              <a:buNone/>
+              <a:defRPr sz="1606"/>
             </a:lvl9pPr>
           </a:lstStyle>
           <a:p>
             <a:r>
-              <a:rPr lang="zh-CN" altLang="en-US" smtClean="0"/>
-              <a:t>单击此处编辑母版副标题样式</a:t>
+              <a:rPr lang="en-GB"/>
+              <a:t>Click to edit Master subtitle style</a:t>
             </a:r>
             <a:endParaRPr lang="en-US" dirty="0"/>
           </a:p>
@@ -243,7 +243,7 @@
           <a:p>
             <a:fld id="{086FEB8E-2718-4465-8CCF-70A494D0B418}" type="datetimeFigureOut">
               <a:rPr lang="zh-CN" altLang="en-US" smtClean="0"/>
-              <a:t>2017/8/4</a:t>
+              <a:t>2020/11/18</a:t>
             </a:fld>
             <a:endParaRPr lang="zh-CN" altLang="en-US"/>
           </a:p>
@@ -294,7 +294,7 @@
     </p:spTree>
     <p:extLst>
       <p:ext uri="{BB962C8B-B14F-4D97-AF65-F5344CB8AC3E}">
-        <p14:creationId xmlns:p14="http://schemas.microsoft.com/office/powerpoint/2010/main" val="1777616917"/>
+        <p14:creationId xmlns:p14="http://schemas.microsoft.com/office/powerpoint/2010/main" val="1822971780"/>
       </p:ext>
     </p:extLst>
   </p:cSld>
@@ -306,7 +306,7 @@
 
 <file path=ppt/slideLayouts/slideLayout10.xml><?xml version="1.0" encoding="utf-8"?>
 <p:sldLayout xmlns:a="http://schemas.openxmlformats.org/drawingml/2006/main" xmlns:r="http://schemas.openxmlformats.org/officeDocument/2006/relationships" xmlns:p="http://schemas.openxmlformats.org/presentationml/2006/main" type="vertTx" preserve="1">
-  <p:cSld name="标题和竖排文字">
+  <p:cSld name="Title and Vertical Text">
     <p:spTree>
       <p:nvGrpSpPr>
         <p:cNvPr id="1" name=""/>
@@ -337,8 +337,8 @@
           <a:lstStyle/>
           <a:p>
             <a:r>
-              <a:rPr lang="zh-CN" altLang="en-US" smtClean="0"/>
-              <a:t>单击此处编辑母版标题样式</a:t>
+              <a:rPr lang="en-GB"/>
+              <a:t>Click to edit Master title style</a:t>
             </a:r>
             <a:endParaRPr lang="en-US" dirty="0"/>
           </a:p>
@@ -361,36 +361,36 @@
           <a:p>
             <a:pPr lvl="0"/>
             <a:r>
-              <a:rPr lang="zh-CN" altLang="en-US" smtClean="0"/>
-              <a:t>单击此处编辑母版文本样式</a:t>
+              <a:rPr lang="en-GB"/>
+              <a:t>Click to edit Master text styles</a:t>
             </a:r>
           </a:p>
           <a:p>
             <a:pPr lvl="1"/>
             <a:r>
-              <a:rPr lang="zh-CN" altLang="en-US" smtClean="0"/>
-              <a:t>第二级</a:t>
+              <a:rPr lang="en-GB"/>
+              <a:t>Second level</a:t>
             </a:r>
           </a:p>
           <a:p>
             <a:pPr lvl="2"/>
             <a:r>
-              <a:rPr lang="zh-CN" altLang="en-US" smtClean="0"/>
-              <a:t>第三级</a:t>
+              <a:rPr lang="en-GB"/>
+              <a:t>Third level</a:t>
             </a:r>
           </a:p>
           <a:p>
             <a:pPr lvl="3"/>
             <a:r>
-              <a:rPr lang="zh-CN" altLang="en-US" smtClean="0"/>
-              <a:t>第四级</a:t>
+              <a:rPr lang="en-GB"/>
+              <a:t>Fourth level</a:t>
             </a:r>
           </a:p>
           <a:p>
             <a:pPr lvl="4"/>
             <a:r>
-              <a:rPr lang="zh-CN" altLang="en-US" smtClean="0"/>
-              <a:t>第五级</a:t>
+              <a:rPr lang="en-GB"/>
+              <a:t>Fifth level</a:t>
             </a:r>
             <a:endParaRPr lang="en-US" dirty="0"/>
           </a:p>
@@ -413,7 +413,7 @@
           <a:p>
             <a:fld id="{086FEB8E-2718-4465-8CCF-70A494D0B418}" type="datetimeFigureOut">
               <a:rPr lang="zh-CN" altLang="en-US" smtClean="0"/>
-              <a:t>2017/8/4</a:t>
+              <a:t>2020/11/18</a:t>
             </a:fld>
             <a:endParaRPr lang="zh-CN" altLang="en-US"/>
           </a:p>
@@ -464,7 +464,7 @@
     </p:spTree>
     <p:extLst>
       <p:ext uri="{BB962C8B-B14F-4D97-AF65-F5344CB8AC3E}">
-        <p14:creationId xmlns:p14="http://schemas.microsoft.com/office/powerpoint/2010/main" val="3543456977"/>
+        <p14:creationId xmlns:p14="http://schemas.microsoft.com/office/powerpoint/2010/main" val="158365685"/>
       </p:ext>
     </p:extLst>
   </p:cSld>
@@ -476,7 +476,7 @@
 
 <file path=ppt/slideLayouts/slideLayout11.xml><?xml version="1.0" encoding="utf-8"?>
 <p:sldLayout xmlns:a="http://schemas.openxmlformats.org/drawingml/2006/main" xmlns:r="http://schemas.openxmlformats.org/officeDocument/2006/relationships" xmlns:p="http://schemas.openxmlformats.org/presentationml/2006/main" type="vertTitleAndTx" preserve="1">
-  <p:cSld name="垂直排列标题与&#10;文本">
+  <p:cSld name="Vertical Title and Text">
     <p:spTree>
       <p:nvGrpSpPr>
         <p:cNvPr id="1" name=""/>
@@ -503,8 +503,8 @@
         </p:nvSpPr>
         <p:spPr>
           <a:xfrm>
-            <a:off x="10305152" y="383297"/>
-            <a:ext cx="3105046" cy="6101085"/>
+            <a:off x="8758982" y="383297"/>
+            <a:ext cx="2639169" cy="6101085"/>
           </a:xfrm>
         </p:spPr>
         <p:txBody>
@@ -512,8 +512,8 @@
           <a:lstStyle/>
           <a:p>
             <a:r>
-              <a:rPr lang="zh-CN" altLang="en-US" smtClean="0"/>
-              <a:t>单击此处编辑母版标题样式</a:t>
+              <a:rPr lang="en-GB"/>
+              <a:t>Click to edit Master title style</a:t>
             </a:r>
             <a:endParaRPr lang="en-US" dirty="0"/>
           </a:p>
@@ -531,8 +531,8 @@
         </p:nvSpPr>
         <p:spPr>
           <a:xfrm>
-            <a:off x="990015" y="383297"/>
-            <a:ext cx="9135135" cy="6101085"/>
+            <a:off x="841474" y="383297"/>
+            <a:ext cx="7764512" cy="6101085"/>
           </a:xfrm>
         </p:spPr>
         <p:txBody>
@@ -541,36 +541,36 @@
           <a:p>
             <a:pPr lvl="0"/>
             <a:r>
-              <a:rPr lang="zh-CN" altLang="en-US" smtClean="0"/>
-              <a:t>单击此处编辑母版文本样式</a:t>
+              <a:rPr lang="en-GB"/>
+              <a:t>Click to edit Master text styles</a:t>
             </a:r>
           </a:p>
           <a:p>
             <a:pPr lvl="1"/>
             <a:r>
-              <a:rPr lang="zh-CN" altLang="en-US" smtClean="0"/>
-              <a:t>第二级</a:t>
+              <a:rPr lang="en-GB"/>
+              <a:t>Second level</a:t>
             </a:r>
           </a:p>
           <a:p>
             <a:pPr lvl="2"/>
             <a:r>
-              <a:rPr lang="zh-CN" altLang="en-US" smtClean="0"/>
-              <a:t>第三级</a:t>
+              <a:rPr lang="en-GB"/>
+              <a:t>Third level</a:t>
             </a:r>
           </a:p>
           <a:p>
             <a:pPr lvl="3"/>
             <a:r>
-              <a:rPr lang="zh-CN" altLang="en-US" smtClean="0"/>
-              <a:t>第四级</a:t>
+              <a:rPr lang="en-GB"/>
+              <a:t>Fourth level</a:t>
             </a:r>
           </a:p>
           <a:p>
             <a:pPr lvl="4"/>
             <a:r>
-              <a:rPr lang="zh-CN" altLang="en-US" smtClean="0"/>
-              <a:t>第五级</a:t>
+              <a:rPr lang="en-GB"/>
+              <a:t>Fifth level</a:t>
             </a:r>
             <a:endParaRPr lang="en-US" dirty="0"/>
           </a:p>
@@ -593,7 +593,7 @@
           <a:p>
             <a:fld id="{086FEB8E-2718-4465-8CCF-70A494D0B418}" type="datetimeFigureOut">
               <a:rPr lang="zh-CN" altLang="en-US" smtClean="0"/>
-              <a:t>2017/8/4</a:t>
+              <a:t>2020/11/18</a:t>
             </a:fld>
             <a:endParaRPr lang="zh-CN" altLang="en-US"/>
           </a:p>
@@ -644,7 +644,7 @@
     </p:spTree>
     <p:extLst>
       <p:ext uri="{BB962C8B-B14F-4D97-AF65-F5344CB8AC3E}">
-        <p14:creationId xmlns:p14="http://schemas.microsoft.com/office/powerpoint/2010/main" val="4157535533"/>
+        <p14:creationId xmlns:p14="http://schemas.microsoft.com/office/powerpoint/2010/main" val="2114282212"/>
       </p:ext>
     </p:extLst>
   </p:cSld>
@@ -656,7 +656,7 @@
 
 <file path=ppt/slideLayouts/slideLayout2.xml><?xml version="1.0" encoding="utf-8"?>
 <p:sldLayout xmlns:a="http://schemas.openxmlformats.org/drawingml/2006/main" xmlns:r="http://schemas.openxmlformats.org/officeDocument/2006/relationships" xmlns:p="http://schemas.openxmlformats.org/presentationml/2006/main" type="obj" preserve="1">
-  <p:cSld name="标题和内容">
+  <p:cSld name="Title and Content">
     <p:spTree>
       <p:nvGrpSpPr>
         <p:cNvPr id="1" name=""/>
@@ -687,8 +687,8 @@
           <a:lstStyle/>
           <a:p>
             <a:r>
-              <a:rPr lang="zh-CN" altLang="en-US" smtClean="0"/>
-              <a:t>单击此处编辑母版标题样式</a:t>
+              <a:rPr lang="en-GB"/>
+              <a:t>Click to edit Master title style</a:t>
             </a:r>
             <a:endParaRPr lang="en-US" dirty="0"/>
           </a:p>
@@ -711,36 +711,36 @@
           <a:p>
             <a:pPr lvl="0"/>
             <a:r>
-              <a:rPr lang="zh-CN" altLang="en-US" smtClean="0"/>
-              <a:t>单击此处编辑母版文本样式</a:t>
+              <a:rPr lang="en-GB"/>
+              <a:t>Click to edit Master text styles</a:t>
             </a:r>
           </a:p>
           <a:p>
             <a:pPr lvl="1"/>
             <a:r>
-              <a:rPr lang="zh-CN" altLang="en-US" smtClean="0"/>
-              <a:t>第二级</a:t>
+              <a:rPr lang="en-GB"/>
+              <a:t>Second level</a:t>
             </a:r>
           </a:p>
           <a:p>
             <a:pPr lvl="2"/>
             <a:r>
-              <a:rPr lang="zh-CN" altLang="en-US" smtClean="0"/>
-              <a:t>第三级</a:t>
+              <a:rPr lang="en-GB"/>
+              <a:t>Third level</a:t>
             </a:r>
           </a:p>
           <a:p>
             <a:pPr lvl="3"/>
             <a:r>
-              <a:rPr lang="zh-CN" altLang="en-US" smtClean="0"/>
-              <a:t>第四级</a:t>
+              <a:rPr lang="en-GB"/>
+              <a:t>Fourth level</a:t>
             </a:r>
           </a:p>
           <a:p>
             <a:pPr lvl="4"/>
             <a:r>
-              <a:rPr lang="zh-CN" altLang="en-US" smtClean="0"/>
-              <a:t>第五级</a:t>
+              <a:rPr lang="en-GB"/>
+              <a:t>Fifth level</a:t>
             </a:r>
             <a:endParaRPr lang="en-US" dirty="0"/>
           </a:p>
@@ -763,7 +763,7 @@
           <a:p>
             <a:fld id="{086FEB8E-2718-4465-8CCF-70A494D0B418}" type="datetimeFigureOut">
               <a:rPr lang="zh-CN" altLang="en-US" smtClean="0"/>
-              <a:t>2017/8/4</a:t>
+              <a:t>2020/11/18</a:t>
             </a:fld>
             <a:endParaRPr lang="zh-CN" altLang="en-US"/>
           </a:p>
@@ -814,7 +814,7 @@
     </p:spTree>
     <p:extLst>
       <p:ext uri="{BB962C8B-B14F-4D97-AF65-F5344CB8AC3E}">
-        <p14:creationId xmlns:p14="http://schemas.microsoft.com/office/powerpoint/2010/main" val="1220231037"/>
+        <p14:creationId xmlns:p14="http://schemas.microsoft.com/office/powerpoint/2010/main" val="841205902"/>
       </p:ext>
     </p:extLst>
   </p:cSld>
@@ -826,7 +826,7 @@
 
 <file path=ppt/slideLayouts/slideLayout3.xml><?xml version="1.0" encoding="utf-8"?>
 <p:sldLayout xmlns:a="http://schemas.openxmlformats.org/drawingml/2006/main" xmlns:r="http://schemas.openxmlformats.org/officeDocument/2006/relationships" xmlns:p="http://schemas.openxmlformats.org/presentationml/2006/main" type="secHead" preserve="1">
-  <p:cSld name="节标题">
+  <p:cSld name="Section Header">
     <p:spTree>
       <p:nvGrpSpPr>
         <p:cNvPr id="1" name=""/>
@@ -853,21 +853,21 @@
         </p:nvSpPr>
         <p:spPr>
           <a:xfrm>
-            <a:off x="982514" y="1794830"/>
-            <a:ext cx="12420184" cy="2994714"/>
+            <a:off x="835099" y="1794830"/>
+            <a:ext cx="10556677" cy="2994714"/>
           </a:xfrm>
         </p:spPr>
         <p:txBody>
           <a:bodyPr anchor="b"/>
           <a:lstStyle>
             <a:lvl1pPr>
-              <a:defRPr sz="6299"/>
+              <a:defRPr sz="6023"/>
             </a:lvl1pPr>
           </a:lstStyle>
           <a:p>
             <a:r>
-              <a:rPr lang="zh-CN" altLang="en-US" smtClean="0"/>
-              <a:t>单击此处编辑母版标题样式</a:t>
+              <a:rPr lang="en-GB"/>
+              <a:t>Click to edit Master title style</a:t>
             </a:r>
             <a:endParaRPr lang="en-US" dirty="0"/>
           </a:p>
@@ -885,8 +885,8 @@
         </p:nvSpPr>
         <p:spPr>
           <a:xfrm>
-            <a:off x="982514" y="4817875"/>
-            <a:ext cx="12420184" cy="1574849"/>
+            <a:off x="835099" y="4817875"/>
+            <a:ext cx="10556677" cy="1574849"/>
           </a:xfrm>
         </p:spPr>
         <p:txBody>
@@ -894,7 +894,7 @@
           <a:lstStyle>
             <a:lvl1pPr marL="0" indent="0">
               <a:buNone/>
-              <a:defRPr sz="2520">
+              <a:defRPr sz="2409">
                 <a:solidFill>
                   <a:schemeClr val="tx1">
                     <a:tint val="75000"/>
@@ -902,9 +902,9 @@
                 </a:solidFill>
               </a:defRPr>
             </a:lvl1pPr>
-            <a:lvl2pPr marL="479969" indent="0">
-              <a:buNone/>
-              <a:defRPr sz="2100">
+            <a:lvl2pPr marL="458983" indent="0">
+              <a:buNone/>
+              <a:defRPr sz="2008">
                 <a:solidFill>
                   <a:schemeClr val="tx1">
                     <a:tint val="75000"/>
@@ -912,9 +912,9 @@
                 </a:solidFill>
               </a:defRPr>
             </a:lvl2pPr>
-            <a:lvl3pPr marL="959937" indent="0">
-              <a:buNone/>
-              <a:defRPr sz="1890">
+            <a:lvl3pPr marL="917966" indent="0">
+              <a:buNone/>
+              <a:defRPr sz="1807">
                 <a:solidFill>
                   <a:schemeClr val="tx1">
                     <a:tint val="75000"/>
@@ -922,9 +922,9 @@
                 </a:solidFill>
               </a:defRPr>
             </a:lvl3pPr>
-            <a:lvl4pPr marL="1439906" indent="0">
-              <a:buNone/>
-              <a:defRPr sz="1680">
+            <a:lvl4pPr marL="1376949" indent="0">
+              <a:buNone/>
+              <a:defRPr sz="1606">
                 <a:solidFill>
                   <a:schemeClr val="tx1">
                     <a:tint val="75000"/>
@@ -932,9 +932,9 @@
                 </a:solidFill>
               </a:defRPr>
             </a:lvl4pPr>
-            <a:lvl5pPr marL="1919874" indent="0">
-              <a:buNone/>
-              <a:defRPr sz="1680">
+            <a:lvl5pPr marL="1835932" indent="0">
+              <a:buNone/>
+              <a:defRPr sz="1606">
                 <a:solidFill>
                   <a:schemeClr val="tx1">
                     <a:tint val="75000"/>
@@ -942,9 +942,9 @@
                 </a:solidFill>
               </a:defRPr>
             </a:lvl5pPr>
-            <a:lvl6pPr marL="2399843" indent="0">
-              <a:buNone/>
-              <a:defRPr sz="1680">
+            <a:lvl6pPr marL="2294915" indent="0">
+              <a:buNone/>
+              <a:defRPr sz="1606">
                 <a:solidFill>
                   <a:schemeClr val="tx1">
                     <a:tint val="75000"/>
@@ -952,9 +952,9 @@
                 </a:solidFill>
               </a:defRPr>
             </a:lvl6pPr>
-            <a:lvl7pPr marL="2879811" indent="0">
-              <a:buNone/>
-              <a:defRPr sz="1680">
+            <a:lvl7pPr marL="2753898" indent="0">
+              <a:buNone/>
+              <a:defRPr sz="1606">
                 <a:solidFill>
                   <a:schemeClr val="tx1">
                     <a:tint val="75000"/>
@@ -962,9 +962,9 @@
                 </a:solidFill>
               </a:defRPr>
             </a:lvl7pPr>
-            <a:lvl8pPr marL="3359780" indent="0">
-              <a:buNone/>
-              <a:defRPr sz="1680">
+            <a:lvl8pPr marL="3212882" indent="0">
+              <a:buNone/>
+              <a:defRPr sz="1606">
                 <a:solidFill>
                   <a:schemeClr val="tx1">
                     <a:tint val="75000"/>
@@ -972,9 +972,9 @@
                 </a:solidFill>
               </a:defRPr>
             </a:lvl8pPr>
-            <a:lvl9pPr marL="3839748" indent="0">
-              <a:buNone/>
-              <a:defRPr sz="1680">
+            <a:lvl9pPr marL="3671865" indent="0">
+              <a:buNone/>
+              <a:defRPr sz="1606">
                 <a:solidFill>
                   <a:schemeClr val="tx1">
                     <a:tint val="75000"/>
@@ -986,8 +986,8 @@
           <a:p>
             <a:pPr lvl="0"/>
             <a:r>
-              <a:rPr lang="zh-CN" altLang="en-US" smtClean="0"/>
-              <a:t>单击此处编辑母版文本样式</a:t>
+              <a:rPr lang="en-GB"/>
+              <a:t>Click to edit Master text styles</a:t>
             </a:r>
           </a:p>
         </p:txBody>
@@ -1009,7 +1009,7 @@
           <a:p>
             <a:fld id="{086FEB8E-2718-4465-8CCF-70A494D0B418}" type="datetimeFigureOut">
               <a:rPr lang="zh-CN" altLang="en-US" smtClean="0"/>
-              <a:t>2017/8/4</a:t>
+              <a:t>2020/11/18</a:t>
             </a:fld>
             <a:endParaRPr lang="zh-CN" altLang="en-US"/>
           </a:p>
@@ -1060,7 +1060,7 @@
     </p:spTree>
     <p:extLst>
       <p:ext uri="{BB962C8B-B14F-4D97-AF65-F5344CB8AC3E}">
-        <p14:creationId xmlns:p14="http://schemas.microsoft.com/office/powerpoint/2010/main" val="743608565"/>
+        <p14:creationId xmlns:p14="http://schemas.microsoft.com/office/powerpoint/2010/main" val="2158166741"/>
       </p:ext>
     </p:extLst>
   </p:cSld>
@@ -1072,7 +1072,7 @@
 
 <file path=ppt/slideLayouts/slideLayout4.xml><?xml version="1.0" encoding="utf-8"?>
 <p:sldLayout xmlns:a="http://schemas.openxmlformats.org/drawingml/2006/main" xmlns:r="http://schemas.openxmlformats.org/officeDocument/2006/relationships" xmlns:p="http://schemas.openxmlformats.org/presentationml/2006/main" type="twoObj" preserve="1">
-  <p:cSld name="两栏内容">
+  <p:cSld name="Two Content">
     <p:spTree>
       <p:nvGrpSpPr>
         <p:cNvPr id="1" name=""/>
@@ -1103,8 +1103,8 @@
           <a:lstStyle/>
           <a:p>
             <a:r>
-              <a:rPr lang="zh-CN" altLang="en-US" smtClean="0"/>
-              <a:t>单击此处编辑母版标题样式</a:t>
+              <a:rPr lang="en-GB"/>
+              <a:t>Click to edit Master title style</a:t>
             </a:r>
             <a:endParaRPr lang="en-US" dirty="0"/>
           </a:p>
@@ -1122,8 +1122,8 @@
         </p:nvSpPr>
         <p:spPr>
           <a:xfrm>
-            <a:off x="990014" y="1916484"/>
-            <a:ext cx="6120091" cy="4567898"/>
+            <a:off x="841474" y="1916484"/>
+            <a:ext cx="5201841" cy="4567898"/>
           </a:xfrm>
         </p:spPr>
         <p:txBody>
@@ -1132,36 +1132,36 @@
           <a:p>
             <a:pPr lvl="0"/>
             <a:r>
-              <a:rPr lang="zh-CN" altLang="en-US" smtClean="0"/>
-              <a:t>单击此处编辑母版文本样式</a:t>
+              <a:rPr lang="en-GB"/>
+              <a:t>Click to edit Master text styles</a:t>
             </a:r>
           </a:p>
           <a:p>
             <a:pPr lvl="1"/>
             <a:r>
-              <a:rPr lang="zh-CN" altLang="en-US" smtClean="0"/>
-              <a:t>第二级</a:t>
+              <a:rPr lang="en-GB"/>
+              <a:t>Second level</a:t>
             </a:r>
           </a:p>
           <a:p>
             <a:pPr lvl="2"/>
             <a:r>
-              <a:rPr lang="zh-CN" altLang="en-US" smtClean="0"/>
-              <a:t>第三级</a:t>
+              <a:rPr lang="en-GB"/>
+              <a:t>Third level</a:t>
             </a:r>
           </a:p>
           <a:p>
             <a:pPr lvl="3"/>
             <a:r>
-              <a:rPr lang="zh-CN" altLang="en-US" smtClean="0"/>
-              <a:t>第四级</a:t>
+              <a:rPr lang="en-GB"/>
+              <a:t>Fourth level</a:t>
             </a:r>
           </a:p>
           <a:p>
             <a:pPr lvl="4"/>
             <a:r>
-              <a:rPr lang="zh-CN" altLang="en-US" smtClean="0"/>
-              <a:t>第五级</a:t>
+              <a:rPr lang="en-GB"/>
+              <a:t>Fifth level</a:t>
             </a:r>
             <a:endParaRPr lang="en-US" dirty="0"/>
           </a:p>
@@ -1179,8 +1179,8 @@
         </p:nvSpPr>
         <p:spPr>
           <a:xfrm>
-            <a:off x="7290108" y="1916484"/>
-            <a:ext cx="6120091" cy="4567898"/>
+            <a:off x="6196310" y="1916484"/>
+            <a:ext cx="5201841" cy="4567898"/>
           </a:xfrm>
         </p:spPr>
         <p:txBody>
@@ -1189,36 +1189,36 @@
           <a:p>
             <a:pPr lvl="0"/>
             <a:r>
-              <a:rPr lang="zh-CN" altLang="en-US" smtClean="0"/>
-              <a:t>单击此处编辑母版文本样式</a:t>
+              <a:rPr lang="en-GB"/>
+              <a:t>Click to edit Master text styles</a:t>
             </a:r>
           </a:p>
           <a:p>
             <a:pPr lvl="1"/>
             <a:r>
-              <a:rPr lang="zh-CN" altLang="en-US" smtClean="0"/>
-              <a:t>第二级</a:t>
+              <a:rPr lang="en-GB"/>
+              <a:t>Second level</a:t>
             </a:r>
           </a:p>
           <a:p>
             <a:pPr lvl="2"/>
             <a:r>
-              <a:rPr lang="zh-CN" altLang="en-US" smtClean="0"/>
-              <a:t>第三级</a:t>
+              <a:rPr lang="en-GB"/>
+              <a:t>Third level</a:t>
             </a:r>
           </a:p>
           <a:p>
             <a:pPr lvl="3"/>
             <a:r>
-              <a:rPr lang="zh-CN" altLang="en-US" smtClean="0"/>
-              <a:t>第四级</a:t>
+              <a:rPr lang="en-GB"/>
+              <a:t>Fourth level</a:t>
             </a:r>
           </a:p>
           <a:p>
             <a:pPr lvl="4"/>
             <a:r>
-              <a:rPr lang="zh-CN" altLang="en-US" smtClean="0"/>
-              <a:t>第五级</a:t>
+              <a:rPr lang="en-GB"/>
+              <a:t>Fifth level</a:t>
             </a:r>
             <a:endParaRPr lang="en-US" dirty="0"/>
           </a:p>
@@ -1241,7 +1241,7 @@
           <a:p>
             <a:fld id="{086FEB8E-2718-4465-8CCF-70A494D0B418}" type="datetimeFigureOut">
               <a:rPr lang="zh-CN" altLang="en-US" smtClean="0"/>
-              <a:t>2017/8/4</a:t>
+              <a:t>2020/11/18</a:t>
             </a:fld>
             <a:endParaRPr lang="zh-CN" altLang="en-US"/>
           </a:p>
@@ -1292,7 +1292,7 @@
     </p:spTree>
     <p:extLst>
       <p:ext uri="{BB962C8B-B14F-4D97-AF65-F5344CB8AC3E}">
-        <p14:creationId xmlns:p14="http://schemas.microsoft.com/office/powerpoint/2010/main" val="2668567631"/>
+        <p14:creationId xmlns:p14="http://schemas.microsoft.com/office/powerpoint/2010/main" val="3347083779"/>
       </p:ext>
     </p:extLst>
   </p:cSld>
@@ -1304,7 +1304,7 @@
 
 <file path=ppt/slideLayouts/slideLayout5.xml><?xml version="1.0" encoding="utf-8"?>
 <p:sldLayout xmlns:a="http://schemas.openxmlformats.org/drawingml/2006/main" xmlns:r="http://schemas.openxmlformats.org/officeDocument/2006/relationships" xmlns:p="http://schemas.openxmlformats.org/presentationml/2006/main" type="twoTxTwoObj" preserve="1">
-  <p:cSld name="比较">
+  <p:cSld name="Comparison">
     <p:spTree>
       <p:nvGrpSpPr>
         <p:cNvPr id="1" name=""/>
@@ -1331,8 +1331,8 @@
         </p:nvSpPr>
         <p:spPr>
           <a:xfrm>
-            <a:off x="991890" y="383297"/>
-            <a:ext cx="12420184" cy="1391534"/>
+            <a:off x="843068" y="383297"/>
+            <a:ext cx="10556677" cy="1391534"/>
           </a:xfrm>
         </p:spPr>
         <p:txBody>
@@ -1340,8 +1340,8 @@
           <a:lstStyle/>
           <a:p>
             <a:r>
-              <a:rPr lang="zh-CN" altLang="en-US" smtClean="0"/>
-              <a:t>单击此处编辑母版标题样式</a:t>
+              <a:rPr lang="en-GB"/>
+              <a:t>Click to edit Master title style</a:t>
             </a:r>
             <a:endParaRPr lang="en-US" dirty="0"/>
           </a:p>
@@ -1359,8 +1359,8 @@
         </p:nvSpPr>
         <p:spPr>
           <a:xfrm>
-            <a:off x="991891" y="1764832"/>
-            <a:ext cx="6091965" cy="864917"/>
+            <a:off x="843069" y="1764832"/>
+            <a:ext cx="5177935" cy="864917"/>
           </a:xfrm>
         </p:spPr>
         <p:txBody>
@@ -1368,46 +1368,46 @@
           <a:lstStyle>
             <a:lvl1pPr marL="0" indent="0">
               <a:buNone/>
-              <a:defRPr sz="2520" b="1"/>
+              <a:defRPr sz="2409" b="1"/>
             </a:lvl1pPr>
-            <a:lvl2pPr marL="479969" indent="0">
-              <a:buNone/>
-              <a:defRPr sz="2100" b="1"/>
+            <a:lvl2pPr marL="458983" indent="0">
+              <a:buNone/>
+              <a:defRPr sz="2008" b="1"/>
             </a:lvl2pPr>
-            <a:lvl3pPr marL="959937" indent="0">
-              <a:buNone/>
-              <a:defRPr sz="1890" b="1"/>
+            <a:lvl3pPr marL="917966" indent="0">
+              <a:buNone/>
+              <a:defRPr sz="1807" b="1"/>
             </a:lvl3pPr>
-            <a:lvl4pPr marL="1439906" indent="0">
-              <a:buNone/>
-              <a:defRPr sz="1680" b="1"/>
+            <a:lvl4pPr marL="1376949" indent="0">
+              <a:buNone/>
+              <a:defRPr sz="1606" b="1"/>
             </a:lvl4pPr>
-            <a:lvl5pPr marL="1919874" indent="0">
-              <a:buNone/>
-              <a:defRPr sz="1680" b="1"/>
+            <a:lvl5pPr marL="1835932" indent="0">
+              <a:buNone/>
+              <a:defRPr sz="1606" b="1"/>
             </a:lvl5pPr>
-            <a:lvl6pPr marL="2399843" indent="0">
-              <a:buNone/>
-              <a:defRPr sz="1680" b="1"/>
+            <a:lvl6pPr marL="2294915" indent="0">
+              <a:buNone/>
+              <a:defRPr sz="1606" b="1"/>
             </a:lvl6pPr>
-            <a:lvl7pPr marL="2879811" indent="0">
-              <a:buNone/>
-              <a:defRPr sz="1680" b="1"/>
+            <a:lvl7pPr marL="2753898" indent="0">
+              <a:buNone/>
+              <a:defRPr sz="1606" b="1"/>
             </a:lvl7pPr>
-            <a:lvl8pPr marL="3359780" indent="0">
-              <a:buNone/>
-              <a:defRPr sz="1680" b="1"/>
+            <a:lvl8pPr marL="3212882" indent="0">
+              <a:buNone/>
+              <a:defRPr sz="1606" b="1"/>
             </a:lvl8pPr>
-            <a:lvl9pPr marL="3839748" indent="0">
-              <a:buNone/>
-              <a:defRPr sz="1680" b="1"/>
+            <a:lvl9pPr marL="3671865" indent="0">
+              <a:buNone/>
+              <a:defRPr sz="1606" b="1"/>
             </a:lvl9pPr>
           </a:lstStyle>
           <a:p>
             <a:pPr lvl="0"/>
             <a:r>
-              <a:rPr lang="zh-CN" altLang="en-US" smtClean="0"/>
-              <a:t>单击此处编辑母版文本样式</a:t>
+              <a:rPr lang="en-GB"/>
+              <a:t>Click to edit Master text styles</a:t>
             </a:r>
           </a:p>
         </p:txBody>
@@ -1424,8 +1424,8 @@
         </p:nvSpPr>
         <p:spPr>
           <a:xfrm>
-            <a:off x="991891" y="2629749"/>
-            <a:ext cx="6091965" cy="3867965"/>
+            <a:off x="843069" y="2629749"/>
+            <a:ext cx="5177935" cy="3867965"/>
           </a:xfrm>
         </p:spPr>
         <p:txBody>
@@ -1434,36 +1434,36 @@
           <a:p>
             <a:pPr lvl="0"/>
             <a:r>
-              <a:rPr lang="zh-CN" altLang="en-US" smtClean="0"/>
-              <a:t>单击此处编辑母版文本样式</a:t>
+              <a:rPr lang="en-GB"/>
+              <a:t>Click to edit Master text styles</a:t>
             </a:r>
           </a:p>
           <a:p>
             <a:pPr lvl="1"/>
             <a:r>
-              <a:rPr lang="zh-CN" altLang="en-US" smtClean="0"/>
-              <a:t>第二级</a:t>
+              <a:rPr lang="en-GB"/>
+              <a:t>Second level</a:t>
             </a:r>
           </a:p>
           <a:p>
             <a:pPr lvl="2"/>
             <a:r>
-              <a:rPr lang="zh-CN" altLang="en-US" smtClean="0"/>
-              <a:t>第三级</a:t>
+              <a:rPr lang="en-GB"/>
+              <a:t>Third level</a:t>
             </a:r>
           </a:p>
           <a:p>
             <a:pPr lvl="3"/>
             <a:r>
-              <a:rPr lang="zh-CN" altLang="en-US" smtClean="0"/>
-              <a:t>第四级</a:t>
+              <a:rPr lang="en-GB"/>
+              <a:t>Fourth level</a:t>
             </a:r>
           </a:p>
           <a:p>
             <a:pPr lvl="4"/>
             <a:r>
-              <a:rPr lang="zh-CN" altLang="en-US" smtClean="0"/>
-              <a:t>第五级</a:t>
+              <a:rPr lang="en-GB"/>
+              <a:t>Fifth level</a:t>
             </a:r>
             <a:endParaRPr lang="en-US" dirty="0"/>
           </a:p>
@@ -1481,8 +1481,8 @@
         </p:nvSpPr>
         <p:spPr>
           <a:xfrm>
-            <a:off x="7290108" y="1764832"/>
-            <a:ext cx="6121966" cy="864917"/>
+            <a:off x="6196310" y="1764832"/>
+            <a:ext cx="5203435" cy="864917"/>
           </a:xfrm>
         </p:spPr>
         <p:txBody>
@@ -1490,46 +1490,46 @@
           <a:lstStyle>
             <a:lvl1pPr marL="0" indent="0">
               <a:buNone/>
-              <a:defRPr sz="2520" b="1"/>
+              <a:defRPr sz="2409" b="1"/>
             </a:lvl1pPr>
-            <a:lvl2pPr marL="479969" indent="0">
-              <a:buNone/>
-              <a:defRPr sz="2100" b="1"/>
+            <a:lvl2pPr marL="458983" indent="0">
+              <a:buNone/>
+              <a:defRPr sz="2008" b="1"/>
             </a:lvl2pPr>
-            <a:lvl3pPr marL="959937" indent="0">
-              <a:buNone/>
-              <a:defRPr sz="1890" b="1"/>
+            <a:lvl3pPr marL="917966" indent="0">
+              <a:buNone/>
+              <a:defRPr sz="1807" b="1"/>
             </a:lvl3pPr>
-            <a:lvl4pPr marL="1439906" indent="0">
-              <a:buNone/>
-              <a:defRPr sz="1680" b="1"/>
+            <a:lvl4pPr marL="1376949" indent="0">
+              <a:buNone/>
+              <a:defRPr sz="1606" b="1"/>
             </a:lvl4pPr>
-            <a:lvl5pPr marL="1919874" indent="0">
-              <a:buNone/>
-              <a:defRPr sz="1680" b="1"/>
+            <a:lvl5pPr marL="1835932" indent="0">
+              <a:buNone/>
+              <a:defRPr sz="1606" b="1"/>
             </a:lvl5pPr>
-            <a:lvl6pPr marL="2399843" indent="0">
-              <a:buNone/>
-              <a:defRPr sz="1680" b="1"/>
+            <a:lvl6pPr marL="2294915" indent="0">
+              <a:buNone/>
+              <a:defRPr sz="1606" b="1"/>
             </a:lvl6pPr>
-            <a:lvl7pPr marL="2879811" indent="0">
-              <a:buNone/>
-              <a:defRPr sz="1680" b="1"/>
+            <a:lvl7pPr marL="2753898" indent="0">
+              <a:buNone/>
+              <a:defRPr sz="1606" b="1"/>
             </a:lvl7pPr>
-            <a:lvl8pPr marL="3359780" indent="0">
-              <a:buNone/>
-              <a:defRPr sz="1680" b="1"/>
+            <a:lvl8pPr marL="3212882" indent="0">
+              <a:buNone/>
+              <a:defRPr sz="1606" b="1"/>
             </a:lvl8pPr>
-            <a:lvl9pPr marL="3839748" indent="0">
-              <a:buNone/>
-              <a:defRPr sz="1680" b="1"/>
+            <a:lvl9pPr marL="3671865" indent="0">
+              <a:buNone/>
+              <a:defRPr sz="1606" b="1"/>
             </a:lvl9pPr>
           </a:lstStyle>
           <a:p>
             <a:pPr lvl="0"/>
             <a:r>
-              <a:rPr lang="zh-CN" altLang="en-US" smtClean="0"/>
-              <a:t>单击此处编辑母版文本样式</a:t>
+              <a:rPr lang="en-GB"/>
+              <a:t>Click to edit Master text styles</a:t>
             </a:r>
           </a:p>
         </p:txBody>
@@ -1546,8 +1546,8 @@
         </p:nvSpPr>
         <p:spPr>
           <a:xfrm>
-            <a:off x="7290108" y="2629749"/>
-            <a:ext cx="6121966" cy="3867965"/>
+            <a:off x="6196310" y="2629749"/>
+            <a:ext cx="5203435" cy="3867965"/>
           </a:xfrm>
         </p:spPr>
         <p:txBody>
@@ -1556,36 +1556,36 @@
           <a:p>
             <a:pPr lvl="0"/>
             <a:r>
-              <a:rPr lang="zh-CN" altLang="en-US" smtClean="0"/>
-              <a:t>单击此处编辑母版文本样式</a:t>
+              <a:rPr lang="en-GB"/>
+              <a:t>Click to edit Master text styles</a:t>
             </a:r>
           </a:p>
           <a:p>
             <a:pPr lvl="1"/>
             <a:r>
-              <a:rPr lang="zh-CN" altLang="en-US" smtClean="0"/>
-              <a:t>第二级</a:t>
+              <a:rPr lang="en-GB"/>
+              <a:t>Second level</a:t>
             </a:r>
           </a:p>
           <a:p>
             <a:pPr lvl="2"/>
             <a:r>
-              <a:rPr lang="zh-CN" altLang="en-US" smtClean="0"/>
-              <a:t>第三级</a:t>
+              <a:rPr lang="en-GB"/>
+              <a:t>Third level</a:t>
             </a:r>
           </a:p>
           <a:p>
             <a:pPr lvl="3"/>
             <a:r>
-              <a:rPr lang="zh-CN" altLang="en-US" smtClean="0"/>
-              <a:t>第四级</a:t>
+              <a:rPr lang="en-GB"/>
+              <a:t>Fourth level</a:t>
             </a:r>
           </a:p>
           <a:p>
             <a:pPr lvl="4"/>
             <a:r>
-              <a:rPr lang="zh-CN" altLang="en-US" smtClean="0"/>
-              <a:t>第五级</a:t>
+              <a:rPr lang="en-GB"/>
+              <a:t>Fifth level</a:t>
             </a:r>
             <a:endParaRPr lang="en-US" dirty="0"/>
           </a:p>
@@ -1608,7 +1608,7 @@
           <a:p>
             <a:fld id="{086FEB8E-2718-4465-8CCF-70A494D0B418}" type="datetimeFigureOut">
               <a:rPr lang="zh-CN" altLang="en-US" smtClean="0"/>
-              <a:t>2017/8/4</a:t>
+              <a:t>2020/11/18</a:t>
             </a:fld>
             <a:endParaRPr lang="zh-CN" altLang="en-US"/>
           </a:p>
@@ -1659,7 +1659,7 @@
     </p:spTree>
     <p:extLst>
       <p:ext uri="{BB962C8B-B14F-4D97-AF65-F5344CB8AC3E}">
-        <p14:creationId xmlns:p14="http://schemas.microsoft.com/office/powerpoint/2010/main" val="2185626950"/>
+        <p14:creationId xmlns:p14="http://schemas.microsoft.com/office/powerpoint/2010/main" val="995951288"/>
       </p:ext>
     </p:extLst>
   </p:cSld>
@@ -1671,7 +1671,7 @@
 
 <file path=ppt/slideLayouts/slideLayout6.xml><?xml version="1.0" encoding="utf-8"?>
 <p:sldLayout xmlns:a="http://schemas.openxmlformats.org/drawingml/2006/main" xmlns:r="http://schemas.openxmlformats.org/officeDocument/2006/relationships" xmlns:p="http://schemas.openxmlformats.org/presentationml/2006/main" type="titleOnly" preserve="1">
-  <p:cSld name="仅标题">
+  <p:cSld name="Title Only">
     <p:spTree>
       <p:nvGrpSpPr>
         <p:cNvPr id="1" name=""/>
@@ -1702,8 +1702,8 @@
           <a:lstStyle/>
           <a:p>
             <a:r>
-              <a:rPr lang="zh-CN" altLang="en-US" smtClean="0"/>
-              <a:t>单击此处编辑母版标题样式</a:t>
+              <a:rPr lang="en-GB"/>
+              <a:t>Click to edit Master title style</a:t>
             </a:r>
             <a:endParaRPr lang="en-US" dirty="0"/>
           </a:p>
@@ -1726,7 +1726,7 @@
           <a:p>
             <a:fld id="{086FEB8E-2718-4465-8CCF-70A494D0B418}" type="datetimeFigureOut">
               <a:rPr lang="zh-CN" altLang="en-US" smtClean="0"/>
-              <a:t>2017/8/4</a:t>
+              <a:t>2020/11/18</a:t>
             </a:fld>
             <a:endParaRPr lang="zh-CN" altLang="en-US"/>
           </a:p>
@@ -1777,7 +1777,7 @@
     </p:spTree>
     <p:extLst>
       <p:ext uri="{BB962C8B-B14F-4D97-AF65-F5344CB8AC3E}">
-        <p14:creationId xmlns:p14="http://schemas.microsoft.com/office/powerpoint/2010/main" val="2050432025"/>
+        <p14:creationId xmlns:p14="http://schemas.microsoft.com/office/powerpoint/2010/main" val="3411871481"/>
       </p:ext>
     </p:extLst>
   </p:cSld>
@@ -1789,7 +1789,7 @@
 
 <file path=ppt/slideLayouts/slideLayout7.xml><?xml version="1.0" encoding="utf-8"?>
 <p:sldLayout xmlns:a="http://schemas.openxmlformats.org/drawingml/2006/main" xmlns:r="http://schemas.openxmlformats.org/officeDocument/2006/relationships" xmlns:p="http://schemas.openxmlformats.org/presentationml/2006/main" type="blank" preserve="1">
-  <p:cSld name="空白">
+  <p:cSld name="Blank">
     <p:spTree>
       <p:nvGrpSpPr>
         <p:cNvPr id="1" name=""/>
@@ -1821,7 +1821,7 @@
           <a:p>
             <a:fld id="{086FEB8E-2718-4465-8CCF-70A494D0B418}" type="datetimeFigureOut">
               <a:rPr lang="zh-CN" altLang="en-US" smtClean="0"/>
-              <a:t>2017/8/4</a:t>
+              <a:t>2020/11/18</a:t>
             </a:fld>
             <a:endParaRPr lang="zh-CN" altLang="en-US"/>
           </a:p>
@@ -1872,7 +1872,7 @@
     </p:spTree>
     <p:extLst>
       <p:ext uri="{BB962C8B-B14F-4D97-AF65-F5344CB8AC3E}">
-        <p14:creationId xmlns:p14="http://schemas.microsoft.com/office/powerpoint/2010/main" val="1699173409"/>
+        <p14:creationId xmlns:p14="http://schemas.microsoft.com/office/powerpoint/2010/main" val="821876218"/>
       </p:ext>
     </p:extLst>
   </p:cSld>
@@ -1884,7 +1884,7 @@
 
 <file path=ppt/slideLayouts/slideLayout8.xml><?xml version="1.0" encoding="utf-8"?>
 <p:sldLayout xmlns:a="http://schemas.openxmlformats.org/drawingml/2006/main" xmlns:r="http://schemas.openxmlformats.org/officeDocument/2006/relationships" xmlns:p="http://schemas.openxmlformats.org/presentationml/2006/main" type="objTx" preserve="1">
-  <p:cSld name="内容与标题">
+  <p:cSld name="Content with Caption">
     <p:spTree>
       <p:nvGrpSpPr>
         <p:cNvPr id="1" name=""/>
@@ -1911,21 +1911,21 @@
         </p:nvSpPr>
         <p:spPr>
           <a:xfrm>
-            <a:off x="991891" y="479954"/>
-            <a:ext cx="4644443" cy="1679840"/>
+            <a:off x="843069" y="479954"/>
+            <a:ext cx="3947597" cy="1679840"/>
           </a:xfrm>
         </p:spPr>
         <p:txBody>
           <a:bodyPr anchor="b"/>
           <a:lstStyle>
             <a:lvl1pPr>
-              <a:defRPr sz="3359"/>
+              <a:defRPr sz="3212"/>
             </a:lvl1pPr>
           </a:lstStyle>
           <a:p>
             <a:r>
-              <a:rPr lang="zh-CN" altLang="en-US" smtClean="0"/>
-              <a:t>单击此处编辑母版标题样式</a:t>
+              <a:rPr lang="en-GB"/>
+              <a:t>Click to edit Master title style</a:t>
             </a:r>
             <a:endParaRPr lang="en-US" dirty="0"/>
           </a:p>
@@ -1943,74 +1943,74 @@
         </p:nvSpPr>
         <p:spPr>
           <a:xfrm>
-            <a:off x="6121966" y="1036569"/>
-            <a:ext cx="7290108" cy="5116178"/>
+            <a:off x="5203435" y="1036569"/>
+            <a:ext cx="6196310" cy="5116178"/>
           </a:xfrm>
         </p:spPr>
         <p:txBody>
           <a:bodyPr/>
           <a:lstStyle>
             <a:lvl1pPr>
-              <a:defRPr sz="3359"/>
+              <a:defRPr sz="3212"/>
             </a:lvl1pPr>
             <a:lvl2pPr>
-              <a:defRPr sz="2939"/>
+              <a:defRPr sz="2811"/>
             </a:lvl2pPr>
             <a:lvl3pPr>
-              <a:defRPr sz="2520"/>
+              <a:defRPr sz="2409"/>
             </a:lvl3pPr>
             <a:lvl4pPr>
-              <a:defRPr sz="2100"/>
+              <a:defRPr sz="2008"/>
             </a:lvl4pPr>
             <a:lvl5pPr>
-              <a:defRPr sz="2100"/>
+              <a:defRPr sz="2008"/>
             </a:lvl5pPr>
             <a:lvl6pPr>
-              <a:defRPr sz="2100"/>
+              <a:defRPr sz="2008"/>
             </a:lvl6pPr>
             <a:lvl7pPr>
-              <a:defRPr sz="2100"/>
+              <a:defRPr sz="2008"/>
             </a:lvl7pPr>
             <a:lvl8pPr>
-              <a:defRPr sz="2100"/>
+              <a:defRPr sz="2008"/>
             </a:lvl8pPr>
             <a:lvl9pPr>
-              <a:defRPr sz="2100"/>
+              <a:defRPr sz="2008"/>
             </a:lvl9pPr>
           </a:lstStyle>
           <a:p>
             <a:pPr lvl="0"/>
             <a:r>
-              <a:rPr lang="zh-CN" altLang="en-US" smtClean="0"/>
-              <a:t>单击此处编辑母版文本样式</a:t>
+              <a:rPr lang="en-GB"/>
+              <a:t>Click to edit Master text styles</a:t>
             </a:r>
           </a:p>
           <a:p>
             <a:pPr lvl="1"/>
             <a:r>
-              <a:rPr lang="zh-CN" altLang="en-US" smtClean="0"/>
-              <a:t>第二级</a:t>
+              <a:rPr lang="en-GB"/>
+              <a:t>Second level</a:t>
             </a:r>
           </a:p>
           <a:p>
             <a:pPr lvl="2"/>
             <a:r>
-              <a:rPr lang="zh-CN" altLang="en-US" smtClean="0"/>
-              <a:t>第三级</a:t>
+              <a:rPr lang="en-GB"/>
+              <a:t>Third level</a:t>
             </a:r>
           </a:p>
           <a:p>
             <a:pPr lvl="3"/>
             <a:r>
-              <a:rPr lang="zh-CN" altLang="en-US" smtClean="0"/>
-              <a:t>第四级</a:t>
+              <a:rPr lang="en-GB"/>
+              <a:t>Fourth level</a:t>
             </a:r>
           </a:p>
           <a:p>
             <a:pPr lvl="4"/>
             <a:r>
-              <a:rPr lang="zh-CN" altLang="en-US" smtClean="0"/>
-              <a:t>第五级</a:t>
+              <a:rPr lang="en-GB"/>
+              <a:t>Fifth level</a:t>
             </a:r>
             <a:endParaRPr lang="en-US" dirty="0"/>
           </a:p>
@@ -2028,8 +2028,8 @@
         </p:nvSpPr>
         <p:spPr>
           <a:xfrm>
-            <a:off x="991891" y="2159794"/>
-            <a:ext cx="4644443" cy="4001285"/>
+            <a:off x="843069" y="2159794"/>
+            <a:ext cx="3947597" cy="4001285"/>
           </a:xfrm>
         </p:spPr>
         <p:txBody>
@@ -2037,46 +2037,46 @@
           <a:lstStyle>
             <a:lvl1pPr marL="0" indent="0">
               <a:buNone/>
-              <a:defRPr sz="1680"/>
+              <a:defRPr sz="1606"/>
             </a:lvl1pPr>
-            <a:lvl2pPr marL="479969" indent="0">
-              <a:buNone/>
-              <a:defRPr sz="1470"/>
+            <a:lvl2pPr marL="458983" indent="0">
+              <a:buNone/>
+              <a:defRPr sz="1405"/>
             </a:lvl2pPr>
-            <a:lvl3pPr marL="959937" indent="0">
-              <a:buNone/>
-              <a:defRPr sz="1260"/>
+            <a:lvl3pPr marL="917966" indent="0">
+              <a:buNone/>
+              <a:defRPr sz="1205"/>
             </a:lvl3pPr>
-            <a:lvl4pPr marL="1439906" indent="0">
-              <a:buNone/>
-              <a:defRPr sz="1050"/>
+            <a:lvl4pPr marL="1376949" indent="0">
+              <a:buNone/>
+              <a:defRPr sz="1004"/>
             </a:lvl4pPr>
-            <a:lvl5pPr marL="1919874" indent="0">
-              <a:buNone/>
-              <a:defRPr sz="1050"/>
+            <a:lvl5pPr marL="1835932" indent="0">
+              <a:buNone/>
+              <a:defRPr sz="1004"/>
             </a:lvl5pPr>
-            <a:lvl6pPr marL="2399843" indent="0">
-              <a:buNone/>
-              <a:defRPr sz="1050"/>
+            <a:lvl6pPr marL="2294915" indent="0">
+              <a:buNone/>
+              <a:defRPr sz="1004"/>
             </a:lvl6pPr>
-            <a:lvl7pPr marL="2879811" indent="0">
-              <a:buNone/>
-              <a:defRPr sz="1050"/>
+            <a:lvl7pPr marL="2753898" indent="0">
+              <a:buNone/>
+              <a:defRPr sz="1004"/>
             </a:lvl7pPr>
-            <a:lvl8pPr marL="3359780" indent="0">
-              <a:buNone/>
-              <a:defRPr sz="1050"/>
+            <a:lvl8pPr marL="3212882" indent="0">
+              <a:buNone/>
+              <a:defRPr sz="1004"/>
             </a:lvl8pPr>
-            <a:lvl9pPr marL="3839748" indent="0">
-              <a:buNone/>
-              <a:defRPr sz="1050"/>
+            <a:lvl9pPr marL="3671865" indent="0">
+              <a:buNone/>
+              <a:defRPr sz="1004"/>
             </a:lvl9pPr>
           </a:lstStyle>
           <a:p>
             <a:pPr lvl="0"/>
             <a:r>
-              <a:rPr lang="zh-CN" altLang="en-US" smtClean="0"/>
-              <a:t>单击此处编辑母版文本样式</a:t>
+              <a:rPr lang="en-GB"/>
+              <a:t>Click to edit Master text styles</a:t>
             </a:r>
           </a:p>
         </p:txBody>
@@ -2098,7 +2098,7 @@
           <a:p>
             <a:fld id="{086FEB8E-2718-4465-8CCF-70A494D0B418}" type="datetimeFigureOut">
               <a:rPr lang="zh-CN" altLang="en-US" smtClean="0"/>
-              <a:t>2017/8/4</a:t>
+              <a:t>2020/11/18</a:t>
             </a:fld>
             <a:endParaRPr lang="zh-CN" altLang="en-US"/>
           </a:p>
@@ -2149,7 +2149,7 @@
     </p:spTree>
     <p:extLst>
       <p:ext uri="{BB962C8B-B14F-4D97-AF65-F5344CB8AC3E}">
-        <p14:creationId xmlns:p14="http://schemas.microsoft.com/office/powerpoint/2010/main" val="2859926358"/>
+        <p14:creationId xmlns:p14="http://schemas.microsoft.com/office/powerpoint/2010/main" val="812173949"/>
       </p:ext>
     </p:extLst>
   </p:cSld>
@@ -2161,7 +2161,7 @@
 
 <file path=ppt/slideLayouts/slideLayout9.xml><?xml version="1.0" encoding="utf-8"?>
 <p:sldLayout xmlns:a="http://schemas.openxmlformats.org/drawingml/2006/main" xmlns:r="http://schemas.openxmlformats.org/officeDocument/2006/relationships" xmlns:p="http://schemas.openxmlformats.org/presentationml/2006/main" type="picTx" preserve="1">
-  <p:cSld name="图片与标题">
+  <p:cSld name="Picture with Caption">
     <p:spTree>
       <p:nvGrpSpPr>
         <p:cNvPr id="1" name=""/>
@@ -2188,21 +2188,21 @@
         </p:nvSpPr>
         <p:spPr>
           <a:xfrm>
-            <a:off x="991891" y="479954"/>
-            <a:ext cx="4644443" cy="1679840"/>
+            <a:off x="843069" y="479954"/>
+            <a:ext cx="3947597" cy="1679840"/>
           </a:xfrm>
         </p:spPr>
         <p:txBody>
           <a:bodyPr anchor="b"/>
           <a:lstStyle>
             <a:lvl1pPr>
-              <a:defRPr sz="3359"/>
+              <a:defRPr sz="3212"/>
             </a:lvl1pPr>
           </a:lstStyle>
           <a:p>
             <a:r>
-              <a:rPr lang="zh-CN" altLang="en-US" smtClean="0"/>
-              <a:t>单击此处编辑母版标题样式</a:t>
+              <a:rPr lang="en-GB"/>
+              <a:t>Click to edit Master title style</a:t>
             </a:r>
             <a:endParaRPr lang="en-US" dirty="0"/>
           </a:p>
@@ -2220,8 +2220,8 @@
         </p:nvSpPr>
         <p:spPr>
           <a:xfrm>
-            <a:off x="6121966" y="1036569"/>
-            <a:ext cx="7290108" cy="5116178"/>
+            <a:off x="5203435" y="1036569"/>
+            <a:ext cx="6196310" cy="5116178"/>
           </a:xfrm>
         </p:spPr>
         <p:txBody>
@@ -2229,45 +2229,45 @@
           <a:lstStyle>
             <a:lvl1pPr marL="0" indent="0">
               <a:buNone/>
-              <a:defRPr sz="3359"/>
+              <a:defRPr sz="3212"/>
             </a:lvl1pPr>
-            <a:lvl2pPr marL="479969" indent="0">
-              <a:buNone/>
-              <a:defRPr sz="2939"/>
+            <a:lvl2pPr marL="458983" indent="0">
+              <a:buNone/>
+              <a:defRPr sz="2811"/>
             </a:lvl2pPr>
-            <a:lvl3pPr marL="959937" indent="0">
-              <a:buNone/>
-              <a:defRPr sz="2520"/>
+            <a:lvl3pPr marL="917966" indent="0">
+              <a:buNone/>
+              <a:defRPr sz="2409"/>
             </a:lvl3pPr>
-            <a:lvl4pPr marL="1439906" indent="0">
-              <a:buNone/>
-              <a:defRPr sz="2100"/>
+            <a:lvl4pPr marL="1376949" indent="0">
+              <a:buNone/>
+              <a:defRPr sz="2008"/>
             </a:lvl4pPr>
-            <a:lvl5pPr marL="1919874" indent="0">
-              <a:buNone/>
-              <a:defRPr sz="2100"/>
+            <a:lvl5pPr marL="1835932" indent="0">
+              <a:buNone/>
+              <a:defRPr sz="2008"/>
             </a:lvl5pPr>
-            <a:lvl6pPr marL="2399843" indent="0">
-              <a:buNone/>
-              <a:defRPr sz="2100"/>
+            <a:lvl6pPr marL="2294915" indent="0">
+              <a:buNone/>
+              <a:defRPr sz="2008"/>
             </a:lvl6pPr>
-            <a:lvl7pPr marL="2879811" indent="0">
-              <a:buNone/>
-              <a:defRPr sz="2100"/>
+            <a:lvl7pPr marL="2753898" indent="0">
+              <a:buNone/>
+              <a:defRPr sz="2008"/>
             </a:lvl7pPr>
-            <a:lvl8pPr marL="3359780" indent="0">
-              <a:buNone/>
-              <a:defRPr sz="2100"/>
+            <a:lvl8pPr marL="3212882" indent="0">
+              <a:buNone/>
+              <a:defRPr sz="2008"/>
             </a:lvl8pPr>
-            <a:lvl9pPr marL="3839748" indent="0">
-              <a:buNone/>
-              <a:defRPr sz="2100"/>
+            <a:lvl9pPr marL="3671865" indent="0">
+              <a:buNone/>
+              <a:defRPr sz="2008"/>
             </a:lvl9pPr>
           </a:lstStyle>
           <a:p>
             <a:r>
-              <a:rPr lang="zh-CN" altLang="en-US" smtClean="0"/>
-              <a:t>单击图标添加图片</a:t>
+              <a:rPr lang="en-GB"/>
+              <a:t>Click icon to add picture</a:t>
             </a:r>
             <a:endParaRPr lang="en-US" dirty="0"/>
           </a:p>
@@ -2285,8 +2285,8 @@
         </p:nvSpPr>
         <p:spPr>
           <a:xfrm>
-            <a:off x="991891" y="2159794"/>
-            <a:ext cx="4644443" cy="4001285"/>
+            <a:off x="843069" y="2159794"/>
+            <a:ext cx="3947597" cy="4001285"/>
           </a:xfrm>
         </p:spPr>
         <p:txBody>
@@ -2294,46 +2294,46 @@
           <a:lstStyle>
             <a:lvl1pPr marL="0" indent="0">
               <a:buNone/>
-              <a:defRPr sz="1680"/>
+              <a:defRPr sz="1606"/>
             </a:lvl1pPr>
-            <a:lvl2pPr marL="479969" indent="0">
-              <a:buNone/>
-              <a:defRPr sz="1470"/>
+            <a:lvl2pPr marL="458983" indent="0">
+              <a:buNone/>
+              <a:defRPr sz="1405"/>
             </a:lvl2pPr>
-            <a:lvl3pPr marL="959937" indent="0">
-              <a:buNone/>
-              <a:defRPr sz="1260"/>
+            <a:lvl3pPr marL="917966" indent="0">
+              <a:buNone/>
+              <a:defRPr sz="1205"/>
             </a:lvl3pPr>
-            <a:lvl4pPr marL="1439906" indent="0">
-              <a:buNone/>
-              <a:defRPr sz="1050"/>
+            <a:lvl4pPr marL="1376949" indent="0">
+              <a:buNone/>
+              <a:defRPr sz="1004"/>
             </a:lvl4pPr>
-            <a:lvl5pPr marL="1919874" indent="0">
-              <a:buNone/>
-              <a:defRPr sz="1050"/>
+            <a:lvl5pPr marL="1835932" indent="0">
+              <a:buNone/>
+              <a:defRPr sz="1004"/>
             </a:lvl5pPr>
-            <a:lvl6pPr marL="2399843" indent="0">
-              <a:buNone/>
-              <a:defRPr sz="1050"/>
+            <a:lvl6pPr marL="2294915" indent="0">
+              <a:buNone/>
+              <a:defRPr sz="1004"/>
             </a:lvl6pPr>
-            <a:lvl7pPr marL="2879811" indent="0">
-              <a:buNone/>
-              <a:defRPr sz="1050"/>
+            <a:lvl7pPr marL="2753898" indent="0">
+              <a:buNone/>
+              <a:defRPr sz="1004"/>
             </a:lvl7pPr>
-            <a:lvl8pPr marL="3359780" indent="0">
-              <a:buNone/>
-              <a:defRPr sz="1050"/>
+            <a:lvl8pPr marL="3212882" indent="0">
+              <a:buNone/>
+              <a:defRPr sz="1004"/>
             </a:lvl8pPr>
-            <a:lvl9pPr marL="3839748" indent="0">
-              <a:buNone/>
-              <a:defRPr sz="1050"/>
+            <a:lvl9pPr marL="3671865" indent="0">
+              <a:buNone/>
+              <a:defRPr sz="1004"/>
             </a:lvl9pPr>
           </a:lstStyle>
           <a:p>
             <a:pPr lvl="0"/>
             <a:r>
-              <a:rPr lang="zh-CN" altLang="en-US" smtClean="0"/>
-              <a:t>单击此处编辑母版文本样式</a:t>
+              <a:rPr lang="en-GB"/>
+              <a:t>Click to edit Master text styles</a:t>
             </a:r>
           </a:p>
         </p:txBody>
@@ -2355,7 +2355,7 @@
           <a:p>
             <a:fld id="{086FEB8E-2718-4465-8CCF-70A494D0B418}" type="datetimeFigureOut">
               <a:rPr lang="zh-CN" altLang="en-US" smtClean="0"/>
-              <a:t>2017/8/4</a:t>
+              <a:t>2020/11/18</a:t>
             </a:fld>
             <a:endParaRPr lang="zh-CN" altLang="en-US"/>
           </a:p>
@@ -2406,7 +2406,7 @@
     </p:spTree>
     <p:extLst>
       <p:ext uri="{BB962C8B-B14F-4D97-AF65-F5344CB8AC3E}">
-        <p14:creationId xmlns:p14="http://schemas.microsoft.com/office/powerpoint/2010/main" val="3845305122"/>
+        <p14:creationId xmlns:p14="http://schemas.microsoft.com/office/powerpoint/2010/main" val="1410027671"/>
       </p:ext>
     </p:extLst>
   </p:cSld>
@@ -2450,8 +2450,8 @@
         </p:nvSpPr>
         <p:spPr>
           <a:xfrm>
-            <a:off x="990015" y="383297"/>
-            <a:ext cx="12420184" cy="1391534"/>
+            <a:off x="841474" y="383297"/>
+            <a:ext cx="10556677" cy="1391534"/>
           </a:xfrm>
           <a:prstGeom prst="rect">
             <a:avLst/>
@@ -2464,8 +2464,8 @@
           <a:lstStyle/>
           <a:p>
             <a:r>
-              <a:rPr lang="zh-CN" altLang="en-US" smtClean="0"/>
-              <a:t>单击此处编辑母版标题样式</a:t>
+              <a:rPr lang="en-GB"/>
+              <a:t>Click to edit Master title style</a:t>
             </a:r>
             <a:endParaRPr lang="en-US" dirty="0"/>
           </a:p>
@@ -2483,8 +2483,8 @@
         </p:nvSpPr>
         <p:spPr>
           <a:xfrm>
-            <a:off x="990015" y="1916484"/>
-            <a:ext cx="12420184" cy="4567898"/>
+            <a:off x="841474" y="1916484"/>
+            <a:ext cx="10556677" cy="4567898"/>
           </a:xfrm>
           <a:prstGeom prst="rect">
             <a:avLst/>
@@ -2498,36 +2498,36 @@
           <a:p>
             <a:pPr lvl="0"/>
             <a:r>
-              <a:rPr lang="zh-CN" altLang="en-US" smtClean="0"/>
-              <a:t>单击此处编辑母版文本样式</a:t>
+              <a:rPr lang="en-GB"/>
+              <a:t>Click to edit Master text styles</a:t>
             </a:r>
           </a:p>
           <a:p>
             <a:pPr lvl="1"/>
             <a:r>
-              <a:rPr lang="zh-CN" altLang="en-US" smtClean="0"/>
-              <a:t>第二级</a:t>
+              <a:rPr lang="en-GB"/>
+              <a:t>Second level</a:t>
             </a:r>
           </a:p>
           <a:p>
             <a:pPr lvl="2"/>
             <a:r>
-              <a:rPr lang="zh-CN" altLang="en-US" smtClean="0"/>
-              <a:t>第三级</a:t>
+              <a:rPr lang="en-GB"/>
+              <a:t>Third level</a:t>
             </a:r>
           </a:p>
           <a:p>
             <a:pPr lvl="3"/>
             <a:r>
-              <a:rPr lang="zh-CN" altLang="en-US" smtClean="0"/>
-              <a:t>第四级</a:t>
+              <a:rPr lang="en-GB"/>
+              <a:t>Fourth level</a:t>
             </a:r>
           </a:p>
           <a:p>
             <a:pPr lvl="4"/>
             <a:r>
-              <a:rPr lang="zh-CN" altLang="en-US" smtClean="0"/>
-              <a:t>第五级</a:t>
+              <a:rPr lang="en-GB"/>
+              <a:t>Fifth level</a:t>
             </a:r>
             <a:endParaRPr lang="en-US" dirty="0"/>
           </a:p>
@@ -2545,8 +2545,8 @@
         </p:nvSpPr>
         <p:spPr>
           <a:xfrm>
-            <a:off x="990015" y="6672697"/>
-            <a:ext cx="3240048" cy="383297"/>
+            <a:off x="841474" y="6672697"/>
+            <a:ext cx="2753916" cy="383297"/>
           </a:xfrm>
           <a:prstGeom prst="rect">
             <a:avLst/>
@@ -2556,7 +2556,7 @@
           <a:bodyPr vert="horz" lIns="91440" tIns="45720" rIns="91440" bIns="45720" rtlCol="0" anchor="ctr"/>
           <a:lstStyle>
             <a:lvl1pPr algn="l">
-              <a:defRPr sz="1260">
+              <a:defRPr sz="1205">
                 <a:solidFill>
                   <a:schemeClr val="tx1">
                     <a:tint val="75000"/>
@@ -2568,7 +2568,7 @@
           <a:p>
             <a:fld id="{086FEB8E-2718-4465-8CCF-70A494D0B418}" type="datetimeFigureOut">
               <a:rPr lang="zh-CN" altLang="en-US" smtClean="0"/>
-              <a:t>2017/8/4</a:t>
+              <a:t>2020/11/18</a:t>
             </a:fld>
             <a:endParaRPr lang="zh-CN" altLang="en-US"/>
           </a:p>
@@ -2586,8 +2586,8 @@
         </p:nvSpPr>
         <p:spPr>
           <a:xfrm>
-            <a:off x="4770071" y="6672697"/>
-            <a:ext cx="4860072" cy="383297"/>
+            <a:off x="4054376" y="6672697"/>
+            <a:ext cx="4130873" cy="383297"/>
           </a:xfrm>
           <a:prstGeom prst="rect">
             <a:avLst/>
@@ -2597,7 +2597,7 @@
           <a:bodyPr vert="horz" lIns="91440" tIns="45720" rIns="91440" bIns="45720" rtlCol="0" anchor="ctr"/>
           <a:lstStyle>
             <a:lvl1pPr algn="ctr">
-              <a:defRPr sz="1260">
+              <a:defRPr sz="1205">
                 <a:solidFill>
                   <a:schemeClr val="tx1">
                     <a:tint val="75000"/>
@@ -2623,8 +2623,8 @@
         </p:nvSpPr>
         <p:spPr>
           <a:xfrm>
-            <a:off x="10170150" y="6672697"/>
-            <a:ext cx="3240048" cy="383297"/>
+            <a:off x="8644235" y="6672697"/>
+            <a:ext cx="2753916" cy="383297"/>
           </a:xfrm>
           <a:prstGeom prst="rect">
             <a:avLst/>
@@ -2634,7 +2634,7 @@
           <a:bodyPr vert="horz" lIns="91440" tIns="45720" rIns="91440" bIns="45720" rtlCol="0" anchor="ctr"/>
           <a:lstStyle>
             <a:lvl1pPr algn="r">
-              <a:defRPr sz="1260">
+              <a:defRPr sz="1205">
                 <a:solidFill>
                   <a:schemeClr val="tx1">
                     <a:tint val="75000"/>
@@ -2655,27 +2655,27 @@
     </p:spTree>
     <p:extLst>
       <p:ext uri="{BB962C8B-B14F-4D97-AF65-F5344CB8AC3E}">
-        <p14:creationId xmlns:p14="http://schemas.microsoft.com/office/powerpoint/2010/main" val="4285887379"/>
+        <p14:creationId xmlns:p14="http://schemas.microsoft.com/office/powerpoint/2010/main" val="2463917728"/>
       </p:ext>
     </p:extLst>
   </p:cSld>
   <p:clrMap bg1="lt1" tx1="dk1" bg2="lt2" tx2="dk2" accent1="accent1" accent2="accent2" accent3="accent3" accent4="accent4" accent5="accent5" accent6="accent6" hlink="hlink" folHlink="folHlink"/>
   <p:sldLayoutIdLst>
-    <p:sldLayoutId id="2147483673" r:id="rId1"/>
-    <p:sldLayoutId id="2147483674" r:id="rId2"/>
-    <p:sldLayoutId id="2147483675" r:id="rId3"/>
-    <p:sldLayoutId id="2147483676" r:id="rId4"/>
-    <p:sldLayoutId id="2147483677" r:id="rId5"/>
-    <p:sldLayoutId id="2147483678" r:id="rId6"/>
-    <p:sldLayoutId id="2147483679" r:id="rId7"/>
-    <p:sldLayoutId id="2147483680" r:id="rId8"/>
-    <p:sldLayoutId id="2147483681" r:id="rId9"/>
-    <p:sldLayoutId id="2147483682" r:id="rId10"/>
-    <p:sldLayoutId id="2147483683" r:id="rId11"/>
+    <p:sldLayoutId id="2147483685" r:id="rId1"/>
+    <p:sldLayoutId id="2147483686" r:id="rId2"/>
+    <p:sldLayoutId id="2147483687" r:id="rId3"/>
+    <p:sldLayoutId id="2147483688" r:id="rId4"/>
+    <p:sldLayoutId id="2147483689" r:id="rId5"/>
+    <p:sldLayoutId id="2147483690" r:id="rId6"/>
+    <p:sldLayoutId id="2147483691" r:id="rId7"/>
+    <p:sldLayoutId id="2147483692" r:id="rId8"/>
+    <p:sldLayoutId id="2147483693" r:id="rId9"/>
+    <p:sldLayoutId id="2147483694" r:id="rId10"/>
+    <p:sldLayoutId id="2147483695" r:id="rId11"/>
   </p:sldLayoutIdLst>
   <p:txStyles>
     <p:titleStyle>
-      <a:lvl1pPr algn="l" defTabSz="959937" rtl="0" eaLnBrk="1" latinLnBrk="0" hangingPunct="1">
+      <a:lvl1pPr algn="l" defTabSz="917966" rtl="0" eaLnBrk="1" latinLnBrk="0" hangingPunct="1">
         <a:lnSpc>
           <a:spcPct val="90000"/>
         </a:lnSpc>
@@ -2683,7 +2683,7 @@
           <a:spcPct val="0"/>
         </a:spcBef>
         <a:buNone/>
-        <a:defRPr sz="4619" kern="1200">
+        <a:defRPr sz="4417" kern="1200">
           <a:solidFill>
             <a:schemeClr val="tx1"/>
           </a:solidFill>
@@ -2694,16 +2694,16 @@
       </a:lvl1pPr>
     </p:titleStyle>
     <p:bodyStyle>
-      <a:lvl1pPr marL="239984" indent="-239984" algn="l" defTabSz="959937" rtl="0" eaLnBrk="1" latinLnBrk="0" hangingPunct="1">
+      <a:lvl1pPr marL="229492" indent="-229492" algn="l" defTabSz="917966" rtl="0" eaLnBrk="1" latinLnBrk="0" hangingPunct="1">
         <a:lnSpc>
           <a:spcPct val="90000"/>
         </a:lnSpc>
         <a:spcBef>
-          <a:spcPts val="1050"/>
+          <a:spcPts val="1004"/>
         </a:spcBef>
         <a:buFont typeface="Arial" panose="020B0604020202020204" pitchFamily="34" charset="0"/>
         <a:buChar char="•"/>
-        <a:defRPr sz="2939" kern="1200">
+        <a:defRPr sz="2811" kern="1200">
           <a:solidFill>
             <a:schemeClr val="tx1"/>
           </a:solidFill>
@@ -2712,16 +2712,16 @@
           <a:cs typeface="+mn-cs"/>
         </a:defRPr>
       </a:lvl1pPr>
-      <a:lvl2pPr marL="719953" indent="-239984" algn="l" defTabSz="959937" rtl="0" eaLnBrk="1" latinLnBrk="0" hangingPunct="1">
+      <a:lvl2pPr marL="688475" indent="-229492" algn="l" defTabSz="917966" rtl="0" eaLnBrk="1" latinLnBrk="0" hangingPunct="1">
         <a:lnSpc>
           <a:spcPct val="90000"/>
         </a:lnSpc>
         <a:spcBef>
-          <a:spcPts val="525"/>
+          <a:spcPts val="502"/>
         </a:spcBef>
         <a:buFont typeface="Arial" panose="020B0604020202020204" pitchFamily="34" charset="0"/>
         <a:buChar char="•"/>
-        <a:defRPr sz="2520" kern="1200">
+        <a:defRPr sz="2409" kern="1200">
           <a:solidFill>
             <a:schemeClr val="tx1"/>
           </a:solidFill>
@@ -2730,16 +2730,16 @@
           <a:cs typeface="+mn-cs"/>
         </a:defRPr>
       </a:lvl2pPr>
-      <a:lvl3pPr marL="1199921" indent="-239984" algn="l" defTabSz="959937" rtl="0" eaLnBrk="1" latinLnBrk="0" hangingPunct="1">
+      <a:lvl3pPr marL="1147458" indent="-229492" algn="l" defTabSz="917966" rtl="0" eaLnBrk="1" latinLnBrk="0" hangingPunct="1">
         <a:lnSpc>
           <a:spcPct val="90000"/>
         </a:lnSpc>
         <a:spcBef>
-          <a:spcPts val="525"/>
+          <a:spcPts val="502"/>
         </a:spcBef>
         <a:buFont typeface="Arial" panose="020B0604020202020204" pitchFamily="34" charset="0"/>
         <a:buChar char="•"/>
-        <a:defRPr sz="2100" kern="1200">
+        <a:defRPr sz="2008" kern="1200">
           <a:solidFill>
             <a:schemeClr val="tx1"/>
           </a:solidFill>
@@ -2748,16 +2748,16 @@
           <a:cs typeface="+mn-cs"/>
         </a:defRPr>
       </a:lvl3pPr>
-      <a:lvl4pPr marL="1679890" indent="-239984" algn="l" defTabSz="959937" rtl="0" eaLnBrk="1" latinLnBrk="0" hangingPunct="1">
+      <a:lvl4pPr marL="1606441" indent="-229492" algn="l" defTabSz="917966" rtl="0" eaLnBrk="1" latinLnBrk="0" hangingPunct="1">
         <a:lnSpc>
           <a:spcPct val="90000"/>
         </a:lnSpc>
         <a:spcBef>
-          <a:spcPts val="525"/>
+          <a:spcPts val="502"/>
         </a:spcBef>
         <a:buFont typeface="Arial" panose="020B0604020202020204" pitchFamily="34" charset="0"/>
         <a:buChar char="•"/>
-        <a:defRPr sz="1890" kern="1200">
+        <a:defRPr sz="1807" kern="1200">
           <a:solidFill>
             <a:schemeClr val="tx1"/>
           </a:solidFill>
@@ -2766,16 +2766,16 @@
           <a:cs typeface="+mn-cs"/>
         </a:defRPr>
       </a:lvl4pPr>
-      <a:lvl5pPr marL="2159859" indent="-239984" algn="l" defTabSz="959937" rtl="0" eaLnBrk="1" latinLnBrk="0" hangingPunct="1">
+      <a:lvl5pPr marL="2065424" indent="-229492" algn="l" defTabSz="917966" rtl="0" eaLnBrk="1" latinLnBrk="0" hangingPunct="1">
         <a:lnSpc>
           <a:spcPct val="90000"/>
         </a:lnSpc>
         <a:spcBef>
-          <a:spcPts val="525"/>
+          <a:spcPts val="502"/>
         </a:spcBef>
         <a:buFont typeface="Arial" panose="020B0604020202020204" pitchFamily="34" charset="0"/>
         <a:buChar char="•"/>
-        <a:defRPr sz="1890" kern="1200">
+        <a:defRPr sz="1807" kern="1200">
           <a:solidFill>
             <a:schemeClr val="tx1"/>
           </a:solidFill>
@@ -2784,16 +2784,16 @@
           <a:cs typeface="+mn-cs"/>
         </a:defRPr>
       </a:lvl5pPr>
-      <a:lvl6pPr marL="2639827" indent="-239984" algn="l" defTabSz="959937" rtl="0" eaLnBrk="1" latinLnBrk="0" hangingPunct="1">
+      <a:lvl6pPr marL="2524407" indent="-229492" algn="l" defTabSz="917966" rtl="0" eaLnBrk="1" latinLnBrk="0" hangingPunct="1">
         <a:lnSpc>
           <a:spcPct val="90000"/>
         </a:lnSpc>
         <a:spcBef>
-          <a:spcPts val="525"/>
+          <a:spcPts val="502"/>
         </a:spcBef>
         <a:buFont typeface="Arial" panose="020B0604020202020204" pitchFamily="34" charset="0"/>
         <a:buChar char="•"/>
-        <a:defRPr sz="1890" kern="1200">
+        <a:defRPr sz="1807" kern="1200">
           <a:solidFill>
             <a:schemeClr val="tx1"/>
           </a:solidFill>
@@ -2802,16 +2802,16 @@
           <a:cs typeface="+mn-cs"/>
         </a:defRPr>
       </a:lvl6pPr>
-      <a:lvl7pPr marL="3119796" indent="-239984" algn="l" defTabSz="959937" rtl="0" eaLnBrk="1" latinLnBrk="0" hangingPunct="1">
+      <a:lvl7pPr marL="2983390" indent="-229492" algn="l" defTabSz="917966" rtl="0" eaLnBrk="1" latinLnBrk="0" hangingPunct="1">
         <a:lnSpc>
           <a:spcPct val="90000"/>
         </a:lnSpc>
         <a:spcBef>
-          <a:spcPts val="525"/>
+          <a:spcPts val="502"/>
         </a:spcBef>
         <a:buFont typeface="Arial" panose="020B0604020202020204" pitchFamily="34" charset="0"/>
         <a:buChar char="•"/>
-        <a:defRPr sz="1890" kern="1200">
+        <a:defRPr sz="1807" kern="1200">
           <a:solidFill>
             <a:schemeClr val="tx1"/>
           </a:solidFill>
@@ -2820,16 +2820,16 @@
           <a:cs typeface="+mn-cs"/>
         </a:defRPr>
       </a:lvl7pPr>
-      <a:lvl8pPr marL="3599764" indent="-239984" algn="l" defTabSz="959937" rtl="0" eaLnBrk="1" latinLnBrk="0" hangingPunct="1">
+      <a:lvl8pPr marL="3442373" indent="-229492" algn="l" defTabSz="917966" rtl="0" eaLnBrk="1" latinLnBrk="0" hangingPunct="1">
         <a:lnSpc>
           <a:spcPct val="90000"/>
         </a:lnSpc>
         <a:spcBef>
-          <a:spcPts val="525"/>
+          <a:spcPts val="502"/>
         </a:spcBef>
         <a:buFont typeface="Arial" panose="020B0604020202020204" pitchFamily="34" charset="0"/>
         <a:buChar char="•"/>
-        <a:defRPr sz="1890" kern="1200">
+        <a:defRPr sz="1807" kern="1200">
           <a:solidFill>
             <a:schemeClr val="tx1"/>
           </a:solidFill>
@@ -2838,16 +2838,16 @@
           <a:cs typeface="+mn-cs"/>
         </a:defRPr>
       </a:lvl8pPr>
-      <a:lvl9pPr marL="4079733" indent="-239984" algn="l" defTabSz="959937" rtl="0" eaLnBrk="1" latinLnBrk="0" hangingPunct="1">
+      <a:lvl9pPr marL="3901356" indent="-229492" algn="l" defTabSz="917966" rtl="0" eaLnBrk="1" latinLnBrk="0" hangingPunct="1">
         <a:lnSpc>
           <a:spcPct val="90000"/>
         </a:lnSpc>
         <a:spcBef>
-          <a:spcPts val="525"/>
+          <a:spcPts val="502"/>
         </a:spcBef>
         <a:buFont typeface="Arial" panose="020B0604020202020204" pitchFamily="34" charset="0"/>
         <a:buChar char="•"/>
-        <a:defRPr sz="1890" kern="1200">
+        <a:defRPr sz="1807" kern="1200">
           <a:solidFill>
             <a:schemeClr val="tx1"/>
           </a:solidFill>
@@ -2861,8 +2861,8 @@
       <a:defPPr>
         <a:defRPr lang="en-US"/>
       </a:defPPr>
-      <a:lvl1pPr marL="0" algn="l" defTabSz="959937" rtl="0" eaLnBrk="1" latinLnBrk="0" hangingPunct="1">
-        <a:defRPr sz="1890" kern="1200">
+      <a:lvl1pPr marL="0" algn="l" defTabSz="917966" rtl="0" eaLnBrk="1" latinLnBrk="0" hangingPunct="1">
+        <a:defRPr sz="1807" kern="1200">
           <a:solidFill>
             <a:schemeClr val="tx1"/>
           </a:solidFill>
@@ -2871,8 +2871,8 @@
           <a:cs typeface="+mn-cs"/>
         </a:defRPr>
       </a:lvl1pPr>
-      <a:lvl2pPr marL="479969" algn="l" defTabSz="959937" rtl="0" eaLnBrk="1" latinLnBrk="0" hangingPunct="1">
-        <a:defRPr sz="1890" kern="1200">
+      <a:lvl2pPr marL="458983" algn="l" defTabSz="917966" rtl="0" eaLnBrk="1" latinLnBrk="0" hangingPunct="1">
+        <a:defRPr sz="1807" kern="1200">
           <a:solidFill>
             <a:schemeClr val="tx1"/>
           </a:solidFill>
@@ -2881,8 +2881,8 @@
           <a:cs typeface="+mn-cs"/>
         </a:defRPr>
       </a:lvl2pPr>
-      <a:lvl3pPr marL="959937" algn="l" defTabSz="959937" rtl="0" eaLnBrk="1" latinLnBrk="0" hangingPunct="1">
-        <a:defRPr sz="1890" kern="1200">
+      <a:lvl3pPr marL="917966" algn="l" defTabSz="917966" rtl="0" eaLnBrk="1" latinLnBrk="0" hangingPunct="1">
+        <a:defRPr sz="1807" kern="1200">
           <a:solidFill>
             <a:schemeClr val="tx1"/>
           </a:solidFill>
@@ -2891,8 +2891,8 @@
           <a:cs typeface="+mn-cs"/>
         </a:defRPr>
       </a:lvl3pPr>
-      <a:lvl4pPr marL="1439906" algn="l" defTabSz="959937" rtl="0" eaLnBrk="1" latinLnBrk="0" hangingPunct="1">
-        <a:defRPr sz="1890" kern="1200">
+      <a:lvl4pPr marL="1376949" algn="l" defTabSz="917966" rtl="0" eaLnBrk="1" latinLnBrk="0" hangingPunct="1">
+        <a:defRPr sz="1807" kern="1200">
           <a:solidFill>
             <a:schemeClr val="tx1"/>
           </a:solidFill>
@@ -2901,8 +2901,8 @@
           <a:cs typeface="+mn-cs"/>
         </a:defRPr>
       </a:lvl4pPr>
-      <a:lvl5pPr marL="1919874" algn="l" defTabSz="959937" rtl="0" eaLnBrk="1" latinLnBrk="0" hangingPunct="1">
-        <a:defRPr sz="1890" kern="1200">
+      <a:lvl5pPr marL="1835932" algn="l" defTabSz="917966" rtl="0" eaLnBrk="1" latinLnBrk="0" hangingPunct="1">
+        <a:defRPr sz="1807" kern="1200">
           <a:solidFill>
             <a:schemeClr val="tx1"/>
           </a:solidFill>
@@ -2911,8 +2911,8 @@
           <a:cs typeface="+mn-cs"/>
         </a:defRPr>
       </a:lvl5pPr>
-      <a:lvl6pPr marL="2399843" algn="l" defTabSz="959937" rtl="0" eaLnBrk="1" latinLnBrk="0" hangingPunct="1">
-        <a:defRPr sz="1890" kern="1200">
+      <a:lvl6pPr marL="2294915" algn="l" defTabSz="917966" rtl="0" eaLnBrk="1" latinLnBrk="0" hangingPunct="1">
+        <a:defRPr sz="1807" kern="1200">
           <a:solidFill>
             <a:schemeClr val="tx1"/>
           </a:solidFill>
@@ -2921,8 +2921,8 @@
           <a:cs typeface="+mn-cs"/>
         </a:defRPr>
       </a:lvl6pPr>
-      <a:lvl7pPr marL="2879811" algn="l" defTabSz="959937" rtl="0" eaLnBrk="1" latinLnBrk="0" hangingPunct="1">
-        <a:defRPr sz="1890" kern="1200">
+      <a:lvl7pPr marL="2753898" algn="l" defTabSz="917966" rtl="0" eaLnBrk="1" latinLnBrk="0" hangingPunct="1">
+        <a:defRPr sz="1807" kern="1200">
           <a:solidFill>
             <a:schemeClr val="tx1"/>
           </a:solidFill>
@@ -2931,8 +2931,8 @@
           <a:cs typeface="+mn-cs"/>
         </a:defRPr>
       </a:lvl7pPr>
-      <a:lvl8pPr marL="3359780" algn="l" defTabSz="959937" rtl="0" eaLnBrk="1" latinLnBrk="0" hangingPunct="1">
-        <a:defRPr sz="1890" kern="1200">
+      <a:lvl8pPr marL="3212882" algn="l" defTabSz="917966" rtl="0" eaLnBrk="1" latinLnBrk="0" hangingPunct="1">
+        <a:defRPr sz="1807" kern="1200">
           <a:solidFill>
             <a:schemeClr val="tx1"/>
           </a:solidFill>
@@ -2941,8 +2941,8 @@
           <a:cs typeface="+mn-cs"/>
         </a:defRPr>
       </a:lvl8pPr>
-      <a:lvl9pPr marL="3839748" algn="l" defTabSz="959937" rtl="0" eaLnBrk="1" latinLnBrk="0" hangingPunct="1">
-        <a:defRPr sz="1890" kern="1200">
+      <a:lvl9pPr marL="3671865" algn="l" defTabSz="917966" rtl="0" eaLnBrk="1" latinLnBrk="0" hangingPunct="1">
+        <a:defRPr sz="1807" kern="1200">
           <a:solidFill>
             <a:schemeClr val="tx1"/>
           </a:solidFill>
@@ -2983,13 +2983,13 @@
         </p:nvPicPr>
         <p:blipFill rotWithShape="1">
           <a:blip r:embed="rId2" cstate="print"/>
-          <a:srcRect l="3955" t="8449" r="14353" b="19525"/>
+          <a:srcRect l="4019" t="8449" r="14353" b="19525"/>
           <a:stretch/>
         </p:blipFill>
         <p:spPr bwMode="auto">
           <a:xfrm>
-            <a:off x="1075531" y="-344"/>
-            <a:ext cx="12249151" cy="7200000"/>
+            <a:off x="0" y="-344"/>
+            <a:ext cx="12239625" cy="7200000"/>
           </a:xfrm>
           <a:prstGeom prst="rect">
             <a:avLst/>
@@ -3013,7 +3013,7 @@
 <file path=ppt/theme/theme1.xml><?xml version="1.0" encoding="utf-8"?>
 <a:theme xmlns:a="http://schemas.openxmlformats.org/drawingml/2006/main" name="Office 主题">
   <a:themeElements>
-    <a:clrScheme name="Office 主题">
+    <a:clrScheme name="Office Theme">
       <a:dk1>
         <a:sysClr val="windowText" lastClr="000000"/>
       </a:dk1>
@@ -3027,7 +3027,7 @@
         <a:srgbClr val="E7E6E6"/>
       </a:lt2>
       <a:accent1>
-        <a:srgbClr val="5B9BD5"/>
+        <a:srgbClr val="4472C4"/>
       </a:accent1>
       <a:accent2>
         <a:srgbClr val="ED7D31"/>
@@ -3039,7 +3039,7 @@
         <a:srgbClr val="FFC000"/>
       </a:accent4>
       <a:accent5>
-        <a:srgbClr val="4472C4"/>
+        <a:srgbClr val="5B9BD5"/>
       </a:accent5>
       <a:accent6>
         <a:srgbClr val="70AD47"/>
@@ -3051,14 +3051,14 @@
         <a:srgbClr val="954F72"/>
       </a:folHlink>
     </a:clrScheme>
-    <a:fontScheme name="Office 主题">
+    <a:fontScheme name="Office Theme">
       <a:majorFont>
         <a:latin typeface="Calibri Light" panose="020F0302020204030204"/>
         <a:ea typeface=""/>
         <a:cs typeface=""/>
-        <a:font script="Jpan" typeface="ＭＳ Ｐゴシック"/>
+        <a:font script="Jpan" typeface="游ゴシック Light"/>
         <a:font script="Hang" typeface="맑은 고딕"/>
-        <a:font script="Hans" typeface="宋体"/>
+        <a:font script="Hans" typeface="等线 Light"/>
         <a:font script="Hant" typeface="新細明體"/>
         <a:font script="Arab" typeface="Times New Roman"/>
         <a:font script="Hebr" typeface="Times New Roman"/>
@@ -3091,9 +3091,9 @@
         <a:latin typeface="Calibri" panose="020F0502020204030204"/>
         <a:ea typeface=""/>
         <a:cs typeface=""/>
-        <a:font script="Jpan" typeface="ＭＳ Ｐゴシック"/>
+        <a:font script="Jpan" typeface="游ゴシック"/>
         <a:font script="Hang" typeface="맑은 고딕"/>
-        <a:font script="Hans" typeface="宋体"/>
+        <a:font script="Hans" typeface="等线"/>
         <a:font script="Hant" typeface="新細明體"/>
         <a:font script="Arab" typeface="Arial"/>
         <a:font script="Hebr" typeface="Arial"/>
@@ -3123,7 +3123,7 @@
         <a:font script="Geor" typeface="Sylfaen"/>
       </a:minorFont>
     </a:fontScheme>
-    <a:fmtScheme name="Office 主题">
+    <a:fmtScheme name="Office Theme">
       <a:fillStyleLst>
         <a:solidFill>
           <a:schemeClr val="phClr"/>
